--- a/doc/Task12/Task 12.pptx
+++ b/doc/Task12/Task 12.pptx
@@ -5,9 +5,10 @@
     <p:sldMasterId id="2147483648" r:id="rId1"/>
   </p:sldMasterIdLst>
   <p:sldIdLst>
-    <p:sldId id="256" r:id="rId2"/>
-    <p:sldId id="258" r:id="rId3"/>
-    <p:sldId id="257" r:id="rId4"/>
+    <p:sldId id="259" r:id="rId2"/>
+    <p:sldId id="256" r:id="rId3"/>
+    <p:sldId id="258" r:id="rId4"/>
+    <p:sldId id="257" r:id="rId5"/>
   </p:sldIdLst>
   <p:sldSz cx="12192000" cy="6858000"/>
   <p:notesSz cx="6858000" cy="9144000"/>
@@ -106,6 +107,11 @@
       </a:defRPr>
     </a:lvl9pPr>
   </p:defaultTextStyle>
+  <p:extLst>
+    <p:ext uri="{EFAFB233-063F-42B5-8137-9DF3F51BA10A}">
+      <p15:sldGuideLst xmlns:p15="http://schemas.microsoft.com/office/powerpoint/2012/main"/>
+    </p:ext>
+  </p:extLst>
 </p:presentation>
 </file>
 
@@ -240,7 +246,7 @@
           <a:p>
             <a:fld id="{C85F1E99-8149-4A3D-BA9C-F6876D595306}" type="datetimeFigureOut">
               <a:rPr lang="de-CH" smtClean="0"/>
-              <a:t>14.12.2015</a:t>
+              <a:t>16.12.2015</a:t>
             </a:fld>
             <a:endParaRPr lang="de-CH"/>
           </a:p>
@@ -410,7 +416,7 @@
           <a:p>
             <a:fld id="{C85F1E99-8149-4A3D-BA9C-F6876D595306}" type="datetimeFigureOut">
               <a:rPr lang="de-CH" smtClean="0"/>
-              <a:t>14.12.2015</a:t>
+              <a:t>16.12.2015</a:t>
             </a:fld>
             <a:endParaRPr lang="de-CH"/>
           </a:p>
@@ -590,7 +596,7 @@
           <a:p>
             <a:fld id="{C85F1E99-8149-4A3D-BA9C-F6876D595306}" type="datetimeFigureOut">
               <a:rPr lang="de-CH" smtClean="0"/>
-              <a:t>14.12.2015</a:t>
+              <a:t>16.12.2015</a:t>
             </a:fld>
             <a:endParaRPr lang="de-CH"/>
           </a:p>
@@ -642,6 +648,648 @@
     <p:extLst>
       <p:ext uri="{BB962C8B-B14F-4D97-AF65-F5344CB8AC3E}">
         <p14:creationId xmlns:p14="http://schemas.microsoft.com/office/powerpoint/2010/main" val="3333831943"/>
+      </p:ext>
+    </p:extLst>
+  </p:cSld>
+  <p:clrMapOvr>
+    <a:masterClrMapping/>
+  </p:clrMapOvr>
+</p:sldLayout>
+</file>
+
+<file path=ppt/slideLayouts/slideLayout12.xml><?xml version="1.0" encoding="utf-8"?>
+<p:sldLayout xmlns:a="http://schemas.openxmlformats.org/drawingml/2006/main" xmlns:r="http://schemas.openxmlformats.org/officeDocument/2006/relationships" xmlns:p="http://schemas.openxmlformats.org/presentationml/2006/main" userDrawn="1">
+  <p:cSld name="Titelfolie ohne Bild">
+    <p:spTree>
+      <p:nvGrpSpPr>
+        <p:cNvPr id="1" name=""/>
+        <p:cNvGrpSpPr/>
+        <p:nvPr/>
+      </p:nvGrpSpPr>
+      <p:grpSpPr>
+        <a:xfrm>
+          <a:off x="0" y="0"/>
+          <a:ext cx="0" cy="0"/>
+          <a:chOff x="0" y="0"/>
+          <a:chExt cx="0" cy="0"/>
+        </a:xfrm>
+      </p:grpSpPr>
+      <p:sp>
+        <p:nvSpPr>
+          <p:cNvPr id="5" name="Abgerundetes Rechteck 4"/>
+          <p:cNvSpPr/>
+          <p:nvPr/>
+        </p:nvSpPr>
+        <p:spPr>
+          <a:xfrm>
+            <a:off x="1" y="1668464"/>
+            <a:ext cx="9359900" cy="2881312"/>
+          </a:xfrm>
+          <a:prstGeom prst="roundRect">
+            <a:avLst>
+              <a:gd name="adj" fmla="val 1188"/>
+            </a:avLst>
+          </a:prstGeom>
+          <a:solidFill>
+            <a:srgbClr val="697D91"/>
+          </a:solidFill>
+          <a:ln>
+            <a:noFill/>
+          </a:ln>
+          <a:effectLst/>
+        </p:spPr>
+        <p:style>
+          <a:lnRef idx="1">
+            <a:schemeClr val="accent1"/>
+          </a:lnRef>
+          <a:fillRef idx="3">
+            <a:schemeClr val="accent1"/>
+          </a:fillRef>
+          <a:effectRef idx="2">
+            <a:schemeClr val="accent1"/>
+          </a:effectRef>
+          <a:fontRef idx="minor">
+            <a:schemeClr val="lt1"/>
+          </a:fontRef>
+        </p:style>
+        <p:txBody>
+          <a:bodyPr anchor="ctr"/>
+          <a:lstStyle/>
+          <a:p>
+            <a:pPr algn="ctr" fontAlgn="auto">
+              <a:spcBef>
+                <a:spcPts val="0"/>
+              </a:spcBef>
+              <a:spcAft>
+                <a:spcPts val="0"/>
+              </a:spcAft>
+              <a:defRPr/>
+            </a:pPr>
+            <a:endParaRPr lang="de-DE" sz="1800" dirty="0">
+              <a:solidFill>
+                <a:srgbClr val="E78E23"/>
+              </a:solidFill>
+            </a:endParaRPr>
+          </a:p>
+        </p:txBody>
+      </p:sp>
+      <p:sp>
+        <p:nvSpPr>
+          <p:cNvPr id="6" name="Abgerundetes Rechteck 5"/>
+          <p:cNvSpPr/>
+          <p:nvPr/>
+        </p:nvSpPr>
+        <p:spPr>
+          <a:xfrm>
+            <a:off x="1" y="1633540"/>
+            <a:ext cx="9359900" cy="71437"/>
+          </a:xfrm>
+          <a:prstGeom prst="roundRect">
+            <a:avLst/>
+          </a:prstGeom>
+          <a:solidFill>
+            <a:srgbClr val="FAA500"/>
+          </a:solidFill>
+          <a:ln>
+            <a:noFill/>
+          </a:ln>
+          <a:effectLst/>
+        </p:spPr>
+        <p:style>
+          <a:lnRef idx="1">
+            <a:schemeClr val="accent1"/>
+          </a:lnRef>
+          <a:fillRef idx="3">
+            <a:schemeClr val="accent1"/>
+          </a:fillRef>
+          <a:effectRef idx="2">
+            <a:schemeClr val="accent1"/>
+          </a:effectRef>
+          <a:fontRef idx="minor">
+            <a:schemeClr val="lt1"/>
+          </a:fontRef>
+        </p:style>
+        <p:txBody>
+          <a:bodyPr anchor="ctr"/>
+          <a:lstStyle/>
+          <a:p>
+            <a:pPr algn="ctr" fontAlgn="auto">
+              <a:spcBef>
+                <a:spcPts val="0"/>
+              </a:spcBef>
+              <a:spcAft>
+                <a:spcPts val="0"/>
+              </a:spcAft>
+              <a:defRPr/>
+            </a:pPr>
+            <a:endParaRPr lang="de-DE" sz="1800" dirty="0">
+              <a:solidFill>
+                <a:srgbClr val="E78E23"/>
+              </a:solidFill>
+            </a:endParaRPr>
+          </a:p>
+        </p:txBody>
+      </p:sp>
+      <p:sp>
+        <p:nvSpPr>
+          <p:cNvPr id="7" name="Abgerundetes Rechteck 6"/>
+          <p:cNvSpPr/>
+          <p:nvPr/>
+        </p:nvSpPr>
+        <p:spPr>
+          <a:xfrm>
+            <a:off x="1" y="4513265"/>
+            <a:ext cx="9359900" cy="71437"/>
+          </a:xfrm>
+          <a:prstGeom prst="roundRect">
+            <a:avLst/>
+          </a:prstGeom>
+          <a:solidFill>
+            <a:srgbClr val="FAA500"/>
+          </a:solidFill>
+          <a:ln>
+            <a:noFill/>
+          </a:ln>
+          <a:effectLst/>
+        </p:spPr>
+        <p:style>
+          <a:lnRef idx="1">
+            <a:schemeClr val="accent1"/>
+          </a:lnRef>
+          <a:fillRef idx="3">
+            <a:schemeClr val="accent1"/>
+          </a:fillRef>
+          <a:effectRef idx="2">
+            <a:schemeClr val="accent1"/>
+          </a:effectRef>
+          <a:fontRef idx="minor">
+            <a:schemeClr val="lt1"/>
+          </a:fontRef>
+        </p:style>
+        <p:txBody>
+          <a:bodyPr anchor="ctr"/>
+          <a:lstStyle/>
+          <a:p>
+            <a:pPr algn="ctr" fontAlgn="auto">
+              <a:spcBef>
+                <a:spcPts val="0"/>
+              </a:spcBef>
+              <a:spcAft>
+                <a:spcPts val="0"/>
+              </a:spcAft>
+              <a:defRPr/>
+            </a:pPr>
+            <a:endParaRPr lang="de-DE" sz="1800" dirty="0">
+              <a:solidFill>
+                <a:srgbClr val="E78E23"/>
+              </a:solidFill>
+            </a:endParaRPr>
+          </a:p>
+        </p:txBody>
+      </p:sp>
+      <p:sp>
+        <p:nvSpPr>
+          <p:cNvPr id="8" name="Rechteck 7"/>
+          <p:cNvSpPr/>
+          <p:nvPr/>
+        </p:nvSpPr>
+        <p:spPr>
+          <a:xfrm>
+            <a:off x="497298" y="6253844"/>
+            <a:ext cx="8289271" cy="304000"/>
+          </a:xfrm>
+          <a:prstGeom prst="rect">
+            <a:avLst/>
+          </a:prstGeom>
+          <a:solidFill>
+            <a:schemeClr val="bg1"/>
+          </a:solidFill>
+          <a:ln>
+            <a:noFill/>
+          </a:ln>
+          <a:effectLst>
+            <a:glow rad="101600">
+              <a:schemeClr val="bg1">
+                <a:alpha val="75000"/>
+              </a:schemeClr>
+            </a:glow>
+          </a:effectLst>
+        </p:spPr>
+        <p:style>
+          <a:lnRef idx="1">
+            <a:schemeClr val="accent1"/>
+          </a:lnRef>
+          <a:fillRef idx="3">
+            <a:schemeClr val="accent1"/>
+          </a:fillRef>
+          <a:effectRef idx="2">
+            <a:schemeClr val="accent1"/>
+          </a:effectRef>
+          <a:fontRef idx="minor">
+            <a:schemeClr val="lt1"/>
+          </a:fontRef>
+        </p:style>
+        <p:txBody>
+          <a:bodyPr anchor="ctr"/>
+          <a:lstStyle/>
+          <a:p>
+            <a:pPr algn="ctr" fontAlgn="auto">
+              <a:spcBef>
+                <a:spcPts val="0"/>
+              </a:spcBef>
+              <a:spcAft>
+                <a:spcPts val="0"/>
+              </a:spcAft>
+              <a:defRPr/>
+            </a:pPr>
+            <a:r>
+              <a:rPr lang="de-DE" sz="1800" dirty="0"/>
+              <a:t>t</a:t>
+            </a:r>
+          </a:p>
+        </p:txBody>
+      </p:sp>
+      <p:pic>
+        <p:nvPicPr>
+          <p:cNvPr id="9" name="Bild 8" descr="BFH_Logo_A_defren_100_RGB_130220.png"/>
+          <p:cNvPicPr>
+            <a:picLocks noChangeAspect="1"/>
+          </p:cNvPicPr>
+          <p:nvPr/>
+        </p:nvPicPr>
+        <p:blipFill>
+          <a:blip r:embed="rId2">
+            <a:extLst>
+              <a:ext uri="{28A0092B-C50C-407E-A947-70E740481C1C}">
+                <a14:useLocalDpi xmlns:a14="http://schemas.microsoft.com/office/drawing/2010/main" val="0"/>
+              </a:ext>
+            </a:extLst>
+          </a:blip>
+          <a:srcRect/>
+          <a:stretch>
+            <a:fillRect/>
+          </a:stretch>
+        </p:blipFill>
+        <p:spPr bwMode="auto">
+          <a:xfrm>
+            <a:off x="603251" y="315915"/>
+            <a:ext cx="2040468" cy="1100137"/>
+          </a:xfrm>
+          <a:prstGeom prst="rect">
+            <a:avLst/>
+          </a:prstGeom>
+          <a:noFill/>
+          <a:ln>
+            <a:noFill/>
+          </a:ln>
+          <a:extLst>
+            <a:ext uri="{909E8E84-426E-40DD-AFC4-6F175D3DCCD1}">
+              <a14:hiddenFill xmlns:a14="http://schemas.microsoft.com/office/drawing/2010/main">
+                <a:solidFill>
+                  <a:srgbClr val="FFFFFF"/>
+                </a:solidFill>
+              </a14:hiddenFill>
+            </a:ext>
+            <a:ext uri="{91240B29-F687-4F45-9708-019B960494DF}">
+              <a14:hiddenLine xmlns:a14="http://schemas.microsoft.com/office/drawing/2010/main" w="9525">
+                <a:solidFill>
+                  <a:srgbClr val="000000"/>
+                </a:solidFill>
+                <a:miter lim="800000"/>
+                <a:headEnd/>
+                <a:tailEnd/>
+              </a14:hiddenLine>
+            </a:ext>
+          </a:extLst>
+        </p:spPr>
+      </p:pic>
+      <p:sp>
+        <p:nvSpPr>
+          <p:cNvPr id="12" name="Titel 1"/>
+          <p:cNvSpPr>
+            <a:spLocks noGrp="1"/>
+          </p:cNvSpPr>
+          <p:nvPr>
+            <p:ph type="ctrTitle" hasCustomPrompt="1"/>
+          </p:nvPr>
+        </p:nvSpPr>
+        <p:spPr>
+          <a:xfrm>
+            <a:off x="624001" y="1839810"/>
+            <a:ext cx="8685179" cy="533105"/>
+          </a:xfrm>
+          <a:prstGeom prst="rect">
+            <a:avLst/>
+          </a:prstGeom>
+        </p:spPr>
+        <p:txBody>
+          <a:bodyPr lIns="0" rIns="0"/>
+          <a:lstStyle>
+            <a:lvl1pPr algn="l">
+              <a:defRPr sz="2600" baseline="0">
+                <a:solidFill>
+                  <a:schemeClr val="bg1"/>
+                </a:solidFill>
+                <a:latin typeface="Lucida Sans"/>
+                <a:cs typeface="Lucida Sans Unicode"/>
+              </a:defRPr>
+            </a:lvl1pPr>
+          </a:lstStyle>
+          <a:p>
+            <a:r>
+              <a:rPr lang="de-DE" dirty="0" smtClean="0"/>
+              <a:t>Titelseite ohne Bild</a:t>
+            </a:r>
+            <a:endParaRPr lang="de-DE" dirty="0"/>
+          </a:p>
+        </p:txBody>
+      </p:sp>
+      <p:sp>
+        <p:nvSpPr>
+          <p:cNvPr id="13" name="Untertitel 2"/>
+          <p:cNvSpPr>
+            <a:spLocks noGrp="1"/>
+          </p:cNvSpPr>
+          <p:nvPr>
+            <p:ph type="subTitle" idx="1"/>
+          </p:nvPr>
+        </p:nvSpPr>
+        <p:spPr>
+          <a:xfrm>
+            <a:off x="624001" y="2372914"/>
+            <a:ext cx="8685179" cy="805526"/>
+          </a:xfrm>
+          <a:prstGeom prst="rect">
+            <a:avLst/>
+          </a:prstGeom>
+        </p:spPr>
+        <p:txBody>
+          <a:bodyPr lIns="0"/>
+          <a:lstStyle>
+            <a:lvl1pPr marL="0" indent="0" algn="l">
+              <a:buNone/>
+              <a:defRPr sz="1600" spc="0">
+                <a:solidFill>
+                  <a:schemeClr val="bg1"/>
+                </a:solidFill>
+                <a:latin typeface="Lucida Sans"/>
+                <a:cs typeface="Lucida Sans Unicode"/>
+              </a:defRPr>
+            </a:lvl1pPr>
+            <a:lvl2pPr marL="457200" indent="0" algn="ctr">
+              <a:buNone/>
+              <a:defRPr>
+                <a:solidFill>
+                  <a:schemeClr val="tx1">
+                    <a:tint val="75000"/>
+                  </a:schemeClr>
+                </a:solidFill>
+              </a:defRPr>
+            </a:lvl2pPr>
+            <a:lvl3pPr marL="914400" indent="0" algn="ctr">
+              <a:buNone/>
+              <a:defRPr>
+                <a:solidFill>
+                  <a:schemeClr val="tx1">
+                    <a:tint val="75000"/>
+                  </a:schemeClr>
+                </a:solidFill>
+              </a:defRPr>
+            </a:lvl3pPr>
+            <a:lvl4pPr marL="1371600" indent="0" algn="ctr">
+              <a:buNone/>
+              <a:defRPr>
+                <a:solidFill>
+                  <a:schemeClr val="tx1">
+                    <a:tint val="75000"/>
+                  </a:schemeClr>
+                </a:solidFill>
+              </a:defRPr>
+            </a:lvl4pPr>
+            <a:lvl5pPr marL="1828800" indent="0" algn="ctr">
+              <a:buNone/>
+              <a:defRPr>
+                <a:solidFill>
+                  <a:schemeClr val="tx1">
+                    <a:tint val="75000"/>
+                  </a:schemeClr>
+                </a:solidFill>
+              </a:defRPr>
+            </a:lvl5pPr>
+            <a:lvl6pPr marL="2286000" indent="0" algn="ctr">
+              <a:buNone/>
+              <a:defRPr>
+                <a:solidFill>
+                  <a:schemeClr val="tx1">
+                    <a:tint val="75000"/>
+                  </a:schemeClr>
+                </a:solidFill>
+              </a:defRPr>
+            </a:lvl6pPr>
+            <a:lvl7pPr marL="2743200" indent="0" algn="ctr">
+              <a:buNone/>
+              <a:defRPr>
+                <a:solidFill>
+                  <a:schemeClr val="tx1">
+                    <a:tint val="75000"/>
+                  </a:schemeClr>
+                </a:solidFill>
+              </a:defRPr>
+            </a:lvl7pPr>
+            <a:lvl8pPr marL="3200400" indent="0" algn="ctr">
+              <a:buNone/>
+              <a:defRPr>
+                <a:solidFill>
+                  <a:schemeClr val="tx1">
+                    <a:tint val="75000"/>
+                  </a:schemeClr>
+                </a:solidFill>
+              </a:defRPr>
+            </a:lvl8pPr>
+            <a:lvl9pPr marL="3657600" indent="0" algn="ctr">
+              <a:buNone/>
+              <a:defRPr>
+                <a:solidFill>
+                  <a:schemeClr val="tx1">
+                    <a:tint val="75000"/>
+                  </a:schemeClr>
+                </a:solidFill>
+              </a:defRPr>
+            </a:lvl9pPr>
+          </a:lstStyle>
+          <a:p>
+            <a:r>
+              <a:rPr lang="de-DE" smtClean="0"/>
+              <a:t>Formatvorlage des Untertitelmasters durch Klicken bearbeiten</a:t>
+            </a:r>
+            <a:endParaRPr lang="de-DE" dirty="0"/>
+          </a:p>
+        </p:txBody>
+      </p:sp>
+      <p:sp>
+        <p:nvSpPr>
+          <p:cNvPr id="17" name="Textplatzhalter 15"/>
+          <p:cNvSpPr>
+            <a:spLocks noGrp="1"/>
+          </p:cNvSpPr>
+          <p:nvPr>
+            <p:ph type="body" sz="quarter" idx="13" hasCustomPrompt="1"/>
+          </p:nvPr>
+        </p:nvSpPr>
+        <p:spPr>
+          <a:xfrm>
+            <a:off x="616010" y="6299494"/>
+            <a:ext cx="9053845" cy="258474"/>
+          </a:xfrm>
+          <a:prstGeom prst="rect">
+            <a:avLst/>
+          </a:prstGeom>
+        </p:spPr>
+        <p:txBody>
+          <a:bodyPr vert="horz" lIns="0" rIns="0"/>
+          <a:lstStyle>
+            <a:lvl1pPr marL="177800" indent="-177800">
+              <a:buClr>
+                <a:srgbClr val="FAA500"/>
+              </a:buClr>
+              <a:buSzPct val="80000"/>
+              <a:buFont typeface="Lucida Grande"/>
+              <a:buChar char="▶"/>
+              <a:tabLst>
+                <a:tab pos="2151063" algn="l"/>
+              </a:tabLst>
+              <a:defRPr sz="1000" baseline="0">
+                <a:solidFill>
+                  <a:srgbClr val="697D91"/>
+                </a:solidFill>
+                <a:latin typeface="Lucida Sans"/>
+              </a:defRPr>
+            </a:lvl1pPr>
+            <a:lvl2pPr marL="177800" indent="-177800">
+              <a:buClr>
+                <a:srgbClr val="FAA500"/>
+              </a:buClr>
+              <a:buSzPct val="80000"/>
+              <a:buFont typeface="Lucida Grande"/>
+              <a:buChar char="▶"/>
+              <a:tabLst>
+                <a:tab pos="2151063" algn="l"/>
+              </a:tabLst>
+              <a:defRPr sz="1000" baseline="0">
+                <a:solidFill>
+                  <a:srgbClr val="697378"/>
+                </a:solidFill>
+                <a:latin typeface="Lucida Sans"/>
+              </a:defRPr>
+            </a:lvl2pPr>
+            <a:lvl3pPr marL="177800" indent="-177800">
+              <a:buClr>
+                <a:srgbClr val="FAA500"/>
+              </a:buClr>
+              <a:buSzPct val="80000"/>
+              <a:buFont typeface="Lucida Grande"/>
+              <a:buChar char="▶"/>
+              <a:tabLst>
+                <a:tab pos="2151063" algn="l"/>
+              </a:tabLst>
+              <a:defRPr sz="1000" baseline="0">
+                <a:solidFill>
+                  <a:srgbClr val="697378"/>
+                </a:solidFill>
+                <a:latin typeface="Lucida Sans"/>
+              </a:defRPr>
+            </a:lvl3pPr>
+            <a:lvl4pPr marL="177800" indent="-177800">
+              <a:buClr>
+                <a:srgbClr val="FAA500"/>
+              </a:buClr>
+              <a:buSzPct val="80000"/>
+              <a:buFont typeface="Lucida Grande"/>
+              <a:buChar char="▶"/>
+              <a:tabLst>
+                <a:tab pos="2151063" algn="l"/>
+              </a:tabLst>
+              <a:defRPr sz="1000" baseline="0">
+                <a:solidFill>
+                  <a:srgbClr val="697378"/>
+                </a:solidFill>
+                <a:latin typeface="Lucida Sans"/>
+              </a:defRPr>
+            </a:lvl4pPr>
+            <a:lvl5pPr marL="177800" indent="-177800">
+              <a:buClr>
+                <a:srgbClr val="FAA500"/>
+              </a:buClr>
+              <a:buSzPct val="80000"/>
+              <a:buFont typeface="Lucida Grande"/>
+              <a:buChar char="▶"/>
+              <a:tabLst>
+                <a:tab pos="2151063" algn="l"/>
+              </a:tabLst>
+              <a:defRPr sz="1000" baseline="0">
+                <a:solidFill>
+                  <a:srgbClr val="697378"/>
+                </a:solidFill>
+                <a:latin typeface="Lucida Sans"/>
+              </a:defRPr>
+            </a:lvl5pPr>
+          </a:lstStyle>
+          <a:p>
+            <a:pPr lvl="0"/>
+            <a:r>
+              <a:rPr lang="de-DE" dirty="0" smtClean="0"/>
+              <a:t>Organisationseinheit oder Leistungsbereich</a:t>
+            </a:r>
+          </a:p>
+        </p:txBody>
+      </p:sp>
+      <p:sp>
+        <p:nvSpPr>
+          <p:cNvPr id="10" name="Datumsplatzhalter 3"/>
+          <p:cNvSpPr>
+            <a:spLocks noGrp="1"/>
+          </p:cNvSpPr>
+          <p:nvPr>
+            <p:ph type="dt" sz="half" idx="14"/>
+          </p:nvPr>
+        </p:nvSpPr>
+        <p:spPr>
+          <a:xfrm>
+            <a:off x="10079567" y="6300790"/>
+            <a:ext cx="1441451" cy="179387"/>
+          </a:xfrm>
+          <a:prstGeom prst="rect">
+            <a:avLst/>
+          </a:prstGeom>
+        </p:spPr>
+        <p:txBody>
+          <a:bodyPr vert="horz" wrap="square" lIns="91440" tIns="45720" rIns="91440" bIns="45720" numCol="1" anchor="t" anchorCtr="0" compatLnSpc="1">
+            <a:prstTxWarp prst="textNoShape">
+              <a:avLst/>
+            </a:prstTxWarp>
+          </a:bodyPr>
+          <a:lstStyle>
+            <a:lvl1pPr algn="r">
+              <a:defRPr sz="1000" smtClean="0">
+                <a:solidFill>
+                  <a:srgbClr val="697D91"/>
+                </a:solidFill>
+                <a:latin typeface="Lucida Sans" pitchFamily="34" charset="0"/>
+              </a:defRPr>
+            </a:lvl1pPr>
+          </a:lstStyle>
+          <a:p>
+            <a:pPr>
+              <a:defRPr/>
+            </a:pPr>
+            <a:endParaRPr lang="de-DE" dirty="0"/>
+          </a:p>
+        </p:txBody>
+      </p:sp>
+    </p:spTree>
+    <p:extLst>
+      <p:ext uri="{BB962C8B-B14F-4D97-AF65-F5344CB8AC3E}">
+        <p14:creationId xmlns:p14="http://schemas.microsoft.com/office/powerpoint/2010/main" val="295233931"/>
       </p:ext>
     </p:extLst>
   </p:cSld>
@@ -760,7 +1408,7 @@
           <a:p>
             <a:fld id="{C85F1E99-8149-4A3D-BA9C-F6876D595306}" type="datetimeFigureOut">
               <a:rPr lang="de-CH" smtClean="0"/>
-              <a:t>14.12.2015</a:t>
+              <a:t>16.12.2015</a:t>
             </a:fld>
             <a:endParaRPr lang="de-CH"/>
           </a:p>
@@ -1006,7 +1654,7 @@
           <a:p>
             <a:fld id="{C85F1E99-8149-4A3D-BA9C-F6876D595306}" type="datetimeFigureOut">
               <a:rPr lang="de-CH" smtClean="0"/>
-              <a:t>14.12.2015</a:t>
+              <a:t>16.12.2015</a:t>
             </a:fld>
             <a:endParaRPr lang="de-CH"/>
           </a:p>
@@ -1238,7 +1886,7 @@
           <a:p>
             <a:fld id="{C85F1E99-8149-4A3D-BA9C-F6876D595306}" type="datetimeFigureOut">
               <a:rPr lang="de-CH" smtClean="0"/>
-              <a:t>14.12.2015</a:t>
+              <a:t>16.12.2015</a:t>
             </a:fld>
             <a:endParaRPr lang="de-CH"/>
           </a:p>
@@ -1605,7 +2253,7 @@
           <a:p>
             <a:fld id="{C85F1E99-8149-4A3D-BA9C-F6876D595306}" type="datetimeFigureOut">
               <a:rPr lang="de-CH" smtClean="0"/>
-              <a:t>14.12.2015</a:t>
+              <a:t>16.12.2015</a:t>
             </a:fld>
             <a:endParaRPr lang="de-CH"/>
           </a:p>
@@ -1723,7 +2371,7 @@
           <a:p>
             <a:fld id="{C85F1E99-8149-4A3D-BA9C-F6876D595306}" type="datetimeFigureOut">
               <a:rPr lang="de-CH" smtClean="0"/>
-              <a:t>14.12.2015</a:t>
+              <a:t>16.12.2015</a:t>
             </a:fld>
             <a:endParaRPr lang="de-CH"/>
           </a:p>
@@ -1818,7 +2466,7 @@
           <a:p>
             <a:fld id="{C85F1E99-8149-4A3D-BA9C-F6876D595306}" type="datetimeFigureOut">
               <a:rPr lang="de-CH" smtClean="0"/>
-              <a:t>14.12.2015</a:t>
+              <a:t>16.12.2015</a:t>
             </a:fld>
             <a:endParaRPr lang="de-CH"/>
           </a:p>
@@ -2095,7 +2743,7 @@
           <a:p>
             <a:fld id="{C85F1E99-8149-4A3D-BA9C-F6876D595306}" type="datetimeFigureOut">
               <a:rPr lang="de-CH" smtClean="0"/>
-              <a:t>14.12.2015</a:t>
+              <a:t>16.12.2015</a:t>
             </a:fld>
             <a:endParaRPr lang="de-CH"/>
           </a:p>
@@ -2348,7 +2996,7 @@
           <a:p>
             <a:fld id="{C85F1E99-8149-4A3D-BA9C-F6876D595306}" type="datetimeFigureOut">
               <a:rPr lang="de-CH" smtClean="0"/>
-              <a:t>14.12.2015</a:t>
+              <a:t>16.12.2015</a:t>
             </a:fld>
             <a:endParaRPr lang="de-CH"/>
           </a:p>
@@ -2561,7 +3209,7 @@
           <a:p>
             <a:fld id="{C85F1E99-8149-4A3D-BA9C-F6876D595306}" type="datetimeFigureOut">
               <a:rPr lang="de-CH" smtClean="0"/>
-              <a:t>14.12.2015</a:t>
+              <a:t>16.12.2015</a:t>
             </a:fld>
             <a:endParaRPr lang="de-CH"/>
           </a:p>
@@ -2665,6 +3313,7 @@
     <p:sldLayoutId id="2147483657" r:id="rId9"/>
     <p:sldLayoutId id="2147483658" r:id="rId10"/>
     <p:sldLayoutId id="2147483659" r:id="rId11"/>
+    <p:sldLayoutId id="2147483660" r:id="rId12"/>
   </p:sldLayoutIdLst>
   <p:txStyles>
     <p:titleStyle>
@@ -2966,6 +3615,123 @@
           <a:chExt cx="0" cy="0"/>
         </a:xfrm>
       </p:grpSpPr>
+      <p:sp>
+        <p:nvSpPr>
+          <p:cNvPr id="2" name="Titel 1"/>
+          <p:cNvSpPr>
+            <a:spLocks noGrp="1"/>
+          </p:cNvSpPr>
+          <p:nvPr>
+            <p:ph type="ctrTitle"/>
+          </p:nvPr>
+        </p:nvSpPr>
+        <p:spPr/>
+        <p:txBody>
+          <a:bodyPr/>
+          <a:lstStyle/>
+          <a:p>
+            <a:r>
+              <a:rPr lang="de-DE" dirty="0" smtClean="0"/>
+              <a:t>Task12</a:t>
+            </a:r>
+            <a:endParaRPr lang="de-CH" dirty="0"/>
+          </a:p>
+        </p:txBody>
+      </p:sp>
+      <p:sp>
+        <p:nvSpPr>
+          <p:cNvPr id="3" name="Untertitel 2"/>
+          <p:cNvSpPr>
+            <a:spLocks noGrp="1"/>
+          </p:cNvSpPr>
+          <p:nvPr>
+            <p:ph type="subTitle" idx="1"/>
+          </p:nvPr>
+        </p:nvSpPr>
+        <p:spPr/>
+        <p:txBody>
+          <a:bodyPr/>
+          <a:lstStyle/>
+          <a:p>
+            <a:r>
+              <a:rPr lang="de-CH" b="1" dirty="0" smtClean="0"/>
+              <a:t>17</a:t>
+            </a:r>
+            <a:r>
+              <a:rPr lang="de-CH" b="1" dirty="0" smtClean="0"/>
+              <a:t>.12.2015</a:t>
+            </a:r>
+            <a:r>
+              <a:rPr lang="de-CH" b="1" dirty="0" smtClean="0"/>
+              <a:t>, Schmocker, Noser, Tschanz, Zysset, </a:t>
+            </a:r>
+            <a:r>
+              <a:rPr lang="de-CH" b="1" dirty="0" err="1" smtClean="0"/>
+              <a:t>Iseli</a:t>
+            </a:r>
+            <a:endParaRPr lang="de-DE" b="1" dirty="0"/>
+          </a:p>
+          <a:p>
+            <a:endParaRPr lang="de-CH" dirty="0"/>
+          </a:p>
+        </p:txBody>
+      </p:sp>
+      <p:sp>
+        <p:nvSpPr>
+          <p:cNvPr id="4" name="Textplatzhalter 3"/>
+          <p:cNvSpPr>
+            <a:spLocks noGrp="1"/>
+          </p:cNvSpPr>
+          <p:nvPr>
+            <p:ph type="body" sz="quarter" idx="13"/>
+          </p:nvPr>
+        </p:nvSpPr>
+        <p:spPr/>
+        <p:txBody>
+          <a:bodyPr/>
+          <a:lstStyle/>
+          <a:p>
+            <a:endParaRPr lang="de-CH" dirty="0"/>
+          </a:p>
+        </p:txBody>
+      </p:sp>
+    </p:spTree>
+    <p:extLst>
+      <p:ext uri="{BB962C8B-B14F-4D97-AF65-F5344CB8AC3E}">
+        <p14:creationId xmlns:p14="http://schemas.microsoft.com/office/powerpoint/2010/main" val="2883103863"/>
+      </p:ext>
+    </p:extLst>
+  </p:cSld>
+  <p:clrMapOvr>
+    <a:masterClrMapping/>
+  </p:clrMapOvr>
+  <p:timing>
+    <p:tnLst>
+      <p:par>
+        <p:cTn id="1" dur="indefinite" restart="never" nodeType="tmRoot"/>
+      </p:par>
+    </p:tnLst>
+  </p:timing>
+</p:sld>
+</file>
+
+<file path=ppt/slides/slide2.xml><?xml version="1.0" encoding="utf-8"?>
+<p:sld xmlns:a="http://schemas.openxmlformats.org/drawingml/2006/main" xmlns:r="http://schemas.openxmlformats.org/officeDocument/2006/relationships" xmlns:p="http://schemas.openxmlformats.org/presentationml/2006/main">
+  <p:cSld>
+    <p:spTree>
+      <p:nvGrpSpPr>
+        <p:cNvPr id="1" name=""/>
+        <p:cNvGrpSpPr/>
+        <p:nvPr/>
+      </p:nvGrpSpPr>
+      <p:grpSpPr>
+        <a:xfrm>
+          <a:off x="0" y="0"/>
+          <a:ext cx="0" cy="0"/>
+          <a:chOff x="0" y="0"/>
+          <a:chExt cx="0" cy="0"/>
+        </a:xfrm>
+      </p:grpSpPr>
       <p:pic>
         <p:nvPicPr>
           <p:cNvPr id="4" name="Grafik 3"/>
@@ -3016,7 +3782,7 @@
 </p:sld>
 </file>
 
-<file path=ppt/slides/slide2.xml><?xml version="1.0" encoding="utf-8"?>
+<file path=ppt/slides/slide3.xml><?xml version="1.0" encoding="utf-8"?>
 <p:sld xmlns:a="http://schemas.openxmlformats.org/drawingml/2006/main" xmlns:r="http://schemas.openxmlformats.org/officeDocument/2006/relationships" xmlns:p="http://schemas.openxmlformats.org/presentationml/2006/main">
   <p:cSld>
     <p:spTree>
@@ -3082,7 +3848,7 @@
 </p:sld>
 </file>
 
-<file path=ppt/slides/slide3.xml><?xml version="1.0" encoding="utf-8"?>
+<file path=ppt/slides/slide4.xml><?xml version="1.0" encoding="utf-8"?>
 <p:sld xmlns:a="http://schemas.openxmlformats.org/drawingml/2006/main" xmlns:r="http://schemas.openxmlformats.org/officeDocument/2006/relationships" xmlns:p="http://schemas.openxmlformats.org/presentationml/2006/main">
   <p:cSld>
     <p:spTree>
@@ -3147,21 +3913,45 @@
           </a:p>
           <a:p>
             <a:r>
+              <a:rPr lang="de-CH" dirty="0" smtClean="0"/>
+              <a:t>Einfach </a:t>
+            </a:r>
+            <a:r>
+              <a:rPr lang="de-CH" dirty="0" err="1" smtClean="0"/>
+              <a:t>erweiter</a:t>
+            </a:r>
+            <a:r>
+              <a:rPr lang="de-CH" dirty="0" smtClean="0"/>
+              <a:t>-/änderbar</a:t>
+            </a:r>
+          </a:p>
+          <a:p>
+            <a:r>
+              <a:rPr lang="de-CH" dirty="0" smtClean="0"/>
+              <a:t>Verhindern inkonsistenter zustände</a:t>
+            </a:r>
+            <a:endParaRPr lang="de-CH" dirty="0" smtClean="0"/>
+          </a:p>
+          <a:p>
+            <a:r>
+              <a:rPr lang="de-CH" dirty="0" smtClean="0"/>
+              <a:t>Einfachere </a:t>
+            </a:r>
+            <a:r>
               <a:rPr lang="de-CH" dirty="0"/>
-              <a:t>s</a:t>
-            </a:r>
-            <a:endParaRPr lang="de-CH" dirty="0" smtClean="0"/>
-          </a:p>
-          <a:p>
+              <a:t>W</a:t>
+            </a:r>
+            <a:r>
+              <a:rPr lang="de-CH" dirty="0" smtClean="0"/>
+              <a:t>artbarkeit</a:t>
+            </a:r>
             <a:endParaRPr lang="de-CH" dirty="0"/>
           </a:p>
           <a:p>
-            <a:endParaRPr lang="de-CH" dirty="0" smtClean="0"/>
-          </a:p>
-          <a:p>
-            <a:endParaRPr lang="de-CH" dirty="0"/>
-          </a:p>
-          <a:p>
+            <a:r>
+              <a:rPr lang="de-CH" dirty="0" smtClean="0"/>
+              <a:t>Wiederverwendung von Zustandsobjekten</a:t>
+            </a:r>
             <a:endParaRPr lang="de-CH" dirty="0" smtClean="0"/>
           </a:p>
           <a:p>
@@ -3178,12 +3968,22 @@
               <a:rPr lang="de-CH" sz="3000" dirty="0" smtClean="0"/>
               <a:t>Kontra</a:t>
             </a:r>
-          </a:p>
-          <a:p>
-            <a:r>
-              <a:rPr lang="de-CH" dirty="0"/>
-              <a:t>s</a:t>
-            </a:r>
+            <a:endParaRPr lang="de-CH" sz="3000" dirty="0" smtClean="0"/>
+          </a:p>
+          <a:p>
+            <a:r>
+              <a:rPr lang="de-CH" dirty="0" smtClean="0"/>
+              <a:t>Erhöht die Klassenanzahl</a:t>
+            </a:r>
+          </a:p>
+          <a:p>
+            <a:r>
+              <a:rPr lang="de-CH" dirty="0" smtClean="0"/>
+              <a:t>Bei einfachen Projekten Implementierungsaufwand verhältnismässig hoch</a:t>
+            </a:r>
+          </a:p>
+          <a:p>
+            <a:endParaRPr lang="de-CH" dirty="0"/>
           </a:p>
         </p:txBody>
       </p:sp>

--- a/doc/Task12/Task 12.pptx
+++ b/doc/Task12/Task 12.pptx
@@ -6,9 +6,13 @@
   </p:sldMasterIdLst>
   <p:sldIdLst>
     <p:sldId id="259" r:id="rId2"/>
-    <p:sldId id="256" r:id="rId3"/>
-    <p:sldId id="258" r:id="rId4"/>
-    <p:sldId id="257" r:id="rId5"/>
+    <p:sldId id="258" r:id="rId3"/>
+    <p:sldId id="260" r:id="rId4"/>
+    <p:sldId id="256" r:id="rId5"/>
+    <p:sldId id="263" r:id="rId6"/>
+    <p:sldId id="262" r:id="rId7"/>
+    <p:sldId id="261" r:id="rId8"/>
+    <p:sldId id="264" r:id="rId9"/>
   </p:sldIdLst>
   <p:sldSz cx="12192000" cy="6858000"/>
   <p:notesSz cx="6858000" cy="9144000"/>
@@ -918,7 +922,7 @@
           <p:nvPr/>
         </p:nvPicPr>
         <p:blipFill>
-          <a:blip r:embed="rId2">
+          <a:blip r:embed="rId2" cstate="print">
             <a:extLst>
               <a:ext uri="{28A0092B-C50C-407E-A947-70E740481C1C}">
                 <a14:useLocalDpi xmlns:a14="http://schemas.microsoft.com/office/drawing/2010/main" val="0"/>
@@ -3655,15 +3659,7 @@
           <a:p>
             <a:r>
               <a:rPr lang="de-CH" b="1" dirty="0" smtClean="0"/>
-              <a:t>17</a:t>
-            </a:r>
-            <a:r>
-              <a:rPr lang="de-CH" b="1" dirty="0" smtClean="0"/>
-              <a:t>.12.2015</a:t>
-            </a:r>
-            <a:r>
-              <a:rPr lang="de-CH" b="1" dirty="0" smtClean="0"/>
-              <a:t>, Schmocker, Noser, Tschanz, Zysset, </a:t>
+              <a:t>17.12.2015, Schmocker, Noser, Tschanz, Zysset, </a:t>
             </a:r>
             <a:r>
               <a:rPr lang="de-CH" b="1" dirty="0" err="1" smtClean="0"/>
@@ -3734,11 +3730,13 @@
       </p:grpSpPr>
       <p:pic>
         <p:nvPicPr>
-          <p:cNvPr id="4" name="Grafik 3"/>
+          <p:cNvPr id="4" name="Inhaltsplatzhalter 3"/>
           <p:cNvPicPr>
-            <a:picLocks noChangeAspect="1"/>
+            <a:picLocks noGrp="1" noChangeAspect="1"/>
           </p:cNvPicPr>
-          <p:nvPr/>
+          <p:nvPr>
+            <p:ph idx="1"/>
+          </p:nvPr>
         </p:nvPicPr>
         <p:blipFill>
           <a:blip r:embed="rId2">
@@ -3754,18 +3752,72 @@
         </p:blipFill>
         <p:spPr>
           <a:xfrm>
-            <a:off x="2447296" y="722372"/>
-            <a:ext cx="7231542" cy="5391455"/>
+            <a:off x="594503" y="1149498"/>
+            <a:ext cx="10972060" cy="5459906"/>
+          </a:xfrm>
+        </p:spPr>
+      </p:pic>
+      <p:sp>
+        <p:nvSpPr>
+          <p:cNvPr id="3" name="Titel 17"/>
+          <p:cNvSpPr txBox="1">
+            <a:spLocks/>
+          </p:cNvSpPr>
+          <p:nvPr/>
+        </p:nvSpPr>
+        <p:spPr>
+          <a:xfrm>
+            <a:off x="425576" y="349921"/>
+            <a:ext cx="8100000" cy="540000"/>
           </a:xfrm>
           <a:prstGeom prst="rect">
             <a:avLst/>
           </a:prstGeom>
         </p:spPr>
-      </p:pic>
+        <p:txBody>
+          <a:bodyPr vert="horz" lIns="91440" tIns="45720" rIns="91440" bIns="45720" rtlCol="0" anchor="ctr">
+            <a:normAutofit fontScale="85000" lnSpcReduction="20000"/>
+          </a:bodyPr>
+          <a:lstStyle>
+            <a:lvl1pPr algn="l" defTabSz="914400" rtl="0" eaLnBrk="1" latinLnBrk="0" hangingPunct="1">
+              <a:lnSpc>
+                <a:spcPct val="90000"/>
+              </a:lnSpc>
+              <a:spcBef>
+                <a:spcPct val="0"/>
+              </a:spcBef>
+              <a:buNone/>
+              <a:defRPr sz="4400" kern="1200">
+                <a:solidFill>
+                  <a:schemeClr val="tx1"/>
+                </a:solidFill>
+                <a:latin typeface="+mj-lt"/>
+                <a:ea typeface="+mj-ea"/>
+                <a:cs typeface="+mj-cs"/>
+              </a:defRPr>
+            </a:lvl1pPr>
+          </a:lstStyle>
+          <a:p>
+            <a:r>
+              <a:rPr lang="de-CH" dirty="0" smtClean="0">
+                <a:solidFill>
+                  <a:srgbClr val="C00000"/>
+                </a:solidFill>
+              </a:rPr>
+              <a:t>UML-State-Pattern</a:t>
+            </a:r>
+            <a:endParaRPr lang="de-CH" dirty="0">
+              <a:solidFill>
+                <a:srgbClr val="C00000"/>
+              </a:solidFill>
+            </a:endParaRPr>
+          </a:p>
+        </p:txBody>
+      </p:sp>
     </p:spTree>
     <p:extLst>
       <p:ext uri="{BB962C8B-B14F-4D97-AF65-F5344CB8AC3E}">
-        <p14:creationId xmlns:p14="http://schemas.microsoft.com/office/powerpoint/2010/main" val="3391054771"/>
+        <p14:creationId xmlns:p14="http://schemas.microsoft.com/office/powerpoint/2010/main" val="1985511074"/>
       </p:ext>
     </p:extLst>
   </p:cSld>
@@ -3801,13 +3853,11 @@
       </p:grpSpPr>
       <p:pic>
         <p:nvPicPr>
-          <p:cNvPr id="4" name="Inhaltsplatzhalter 3"/>
+          <p:cNvPr id="8" name="Grafik 7"/>
           <p:cNvPicPr>
-            <a:picLocks noGrp="1" noChangeAspect="1"/>
+            <a:picLocks noChangeAspect="1"/>
           </p:cNvPicPr>
-          <p:nvPr>
-            <p:ph idx="1"/>
-          </p:nvPr>
+          <p:nvPr/>
         </p:nvPicPr>
         <p:blipFill>
           <a:blip r:embed="rId2">
@@ -3823,28 +3873,81 @@
         </p:blipFill>
         <p:spPr>
           <a:xfrm>
-            <a:off x="594503" y="733861"/>
-            <a:ext cx="10972060" cy="5459906"/>
+            <a:off x="3193507" y="1402975"/>
+            <a:ext cx="5518231" cy="4182984"/>
           </a:xfrm>
+          <a:prstGeom prst="rect">
+            <a:avLst/>
+          </a:prstGeom>
         </p:spPr>
       </p:pic>
+      <p:sp>
+        <p:nvSpPr>
+          <p:cNvPr id="11" name="Titel 17"/>
+          <p:cNvSpPr txBox="1">
+            <a:spLocks/>
+          </p:cNvSpPr>
+          <p:nvPr/>
+        </p:nvSpPr>
+        <p:spPr>
+          <a:xfrm>
+            <a:off x="425576" y="349921"/>
+            <a:ext cx="8100000" cy="540000"/>
+          </a:xfrm>
+          <a:prstGeom prst="rect">
+            <a:avLst/>
+          </a:prstGeom>
+        </p:spPr>
+        <p:txBody>
+          <a:bodyPr vert="horz" lIns="91440" tIns="45720" rIns="91440" bIns="45720" rtlCol="0" anchor="ctr">
+            <a:normAutofit fontScale="85000" lnSpcReduction="20000"/>
+          </a:bodyPr>
+          <a:lstStyle>
+            <a:lvl1pPr algn="l" defTabSz="914400" rtl="0" eaLnBrk="1" latinLnBrk="0" hangingPunct="1">
+              <a:lnSpc>
+                <a:spcPct val="90000"/>
+              </a:lnSpc>
+              <a:spcBef>
+                <a:spcPct val="0"/>
+              </a:spcBef>
+              <a:buNone/>
+              <a:defRPr sz="4400" kern="1200">
+                <a:solidFill>
+                  <a:schemeClr val="tx1"/>
+                </a:solidFill>
+                <a:latin typeface="+mj-lt"/>
+                <a:ea typeface="+mj-ea"/>
+                <a:cs typeface="+mj-cs"/>
+              </a:defRPr>
+            </a:lvl1pPr>
+          </a:lstStyle>
+          <a:p>
+            <a:r>
+              <a:rPr lang="de-CH" dirty="0" smtClean="0">
+                <a:solidFill>
+                  <a:srgbClr val="C00000"/>
+                </a:solidFill>
+              </a:rPr>
+              <a:t>Abstract Class</a:t>
+            </a:r>
+            <a:endParaRPr lang="de-CH" dirty="0">
+              <a:solidFill>
+                <a:srgbClr val="C00000"/>
+              </a:solidFill>
+            </a:endParaRPr>
+          </a:p>
+        </p:txBody>
+      </p:sp>
     </p:spTree>
     <p:extLst>
       <p:ext uri="{BB962C8B-B14F-4D97-AF65-F5344CB8AC3E}">
-        <p14:creationId xmlns:p14="http://schemas.microsoft.com/office/powerpoint/2010/main" val="1985511074"/>
+        <p14:creationId xmlns:p14="http://schemas.microsoft.com/office/powerpoint/2010/main" val="4072347881"/>
       </p:ext>
     </p:extLst>
   </p:cSld>
   <p:clrMapOvr>
     <a:masterClrMapping/>
   </p:clrMapOvr>
-  <p:timing>
-    <p:tnLst>
-      <p:par>
-        <p:cTn id="1" dur="indefinite" restart="never" nodeType="tmRoot"/>
-      </p:par>
-    </p:tnLst>
-  </p:timing>
 </p:sld>
 </file>
 
@@ -3865,132 +3968,714 @@
           <a:chExt cx="0" cy="0"/>
         </a:xfrm>
       </p:grpSpPr>
-      <p:sp>
-        <p:nvSpPr>
-          <p:cNvPr id="2" name="Titel 1"/>
-          <p:cNvSpPr>
-            <a:spLocks noGrp="1"/>
-          </p:cNvSpPr>
-          <p:nvPr>
-            <p:ph type="title"/>
-          </p:nvPr>
-        </p:nvSpPr>
-        <p:spPr/>
-        <p:txBody>
-          <a:bodyPr/>
-          <a:lstStyle/>
-          <a:p>
-            <a:r>
-              <a:rPr lang="de-CH" dirty="0" smtClean="0"/>
-              <a:t>Pro und Kontra</a:t>
-            </a:r>
-            <a:endParaRPr lang="de-CH" dirty="0"/>
-          </a:p>
-        </p:txBody>
-      </p:sp>
-      <p:sp>
-        <p:nvSpPr>
-          <p:cNvPr id="3" name="Inhaltsplatzhalter 2"/>
-          <p:cNvSpPr>
-            <a:spLocks noGrp="1"/>
-          </p:cNvSpPr>
-          <p:nvPr>
-            <p:ph idx="1"/>
-          </p:nvPr>
-        </p:nvSpPr>
-        <p:spPr/>
-        <p:txBody>
-          <a:bodyPr numCol="2"/>
-          <a:lstStyle/>
-          <a:p>
-            <a:pPr marL="0" indent="0">
-              <a:buNone/>
-            </a:pPr>
-            <a:r>
-              <a:rPr lang="de-CH" sz="3000" dirty="0" smtClean="0"/>
-              <a:t>Pro</a:t>
-            </a:r>
-          </a:p>
-          <a:p>
-            <a:r>
-              <a:rPr lang="de-CH" dirty="0" smtClean="0"/>
-              <a:t>Einfach </a:t>
-            </a:r>
-            <a:r>
-              <a:rPr lang="de-CH" dirty="0" err="1" smtClean="0"/>
-              <a:t>erweiter</a:t>
-            </a:r>
-            <a:r>
-              <a:rPr lang="de-CH" dirty="0" smtClean="0"/>
-              <a:t>-/änderbar</a:t>
-            </a:r>
-          </a:p>
-          <a:p>
-            <a:r>
-              <a:rPr lang="de-CH" dirty="0" smtClean="0"/>
-              <a:t>Verhindern inkonsistenter zustände</a:t>
-            </a:r>
-            <a:endParaRPr lang="de-CH" dirty="0" smtClean="0"/>
-          </a:p>
-          <a:p>
-            <a:r>
-              <a:rPr lang="de-CH" dirty="0" smtClean="0"/>
-              <a:t>Einfachere </a:t>
-            </a:r>
-            <a:r>
-              <a:rPr lang="de-CH" dirty="0"/>
-              <a:t>W</a:t>
-            </a:r>
-            <a:r>
-              <a:rPr lang="de-CH" dirty="0" smtClean="0"/>
-              <a:t>artbarkeit</a:t>
-            </a:r>
-            <a:endParaRPr lang="de-CH" dirty="0"/>
-          </a:p>
-          <a:p>
-            <a:r>
-              <a:rPr lang="de-CH" dirty="0" smtClean="0"/>
-              <a:t>Wiederverwendung von Zustandsobjekten</a:t>
-            </a:r>
-            <a:endParaRPr lang="de-CH" dirty="0" smtClean="0"/>
-          </a:p>
-          <a:p>
-            <a:endParaRPr lang="de-CH" dirty="0"/>
-          </a:p>
-          <a:p>
-            <a:endParaRPr lang="de-CH" dirty="0" smtClean="0"/>
-          </a:p>
-          <a:p>
-            <a:pPr marL="0" indent="0">
-              <a:buNone/>
-            </a:pPr>
-            <a:r>
-              <a:rPr lang="de-CH" sz="3000" dirty="0" smtClean="0"/>
-              <a:t>Kontra</a:t>
-            </a:r>
-            <a:endParaRPr lang="de-CH" sz="3000" dirty="0" smtClean="0"/>
-          </a:p>
-          <a:p>
-            <a:r>
-              <a:rPr lang="de-CH" dirty="0" smtClean="0"/>
-              <a:t>Erhöht die Klassenanzahl</a:t>
-            </a:r>
-          </a:p>
-          <a:p>
-            <a:r>
-              <a:rPr lang="de-CH" dirty="0" smtClean="0"/>
-              <a:t>Bei einfachen Projekten Implementierungsaufwand verhältnismässig hoch</a:t>
-            </a:r>
-          </a:p>
-          <a:p>
-            <a:endParaRPr lang="de-CH" dirty="0"/>
+      <p:pic>
+        <p:nvPicPr>
+          <p:cNvPr id="4" name="Grafik 3"/>
+          <p:cNvPicPr>
+            <a:picLocks noChangeAspect="1"/>
+          </p:cNvPicPr>
+          <p:nvPr/>
+        </p:nvPicPr>
+        <p:blipFill>
+          <a:blip r:embed="rId2">
+            <a:extLst>
+              <a:ext uri="{28A0092B-C50C-407E-A947-70E740481C1C}">
+                <a14:useLocalDpi xmlns:a14="http://schemas.microsoft.com/office/drawing/2010/main" val="0"/>
+              </a:ext>
+            </a:extLst>
+          </a:blip>
+          <a:stretch>
+            <a:fillRect/>
+          </a:stretch>
+        </p:blipFill>
+        <p:spPr>
+          <a:xfrm>
+            <a:off x="3466407" y="1793313"/>
+            <a:ext cx="5148402" cy="3838376"/>
+          </a:xfrm>
+          <a:prstGeom prst="rect">
+            <a:avLst/>
+          </a:prstGeom>
+        </p:spPr>
+      </p:pic>
+      <p:sp>
+        <p:nvSpPr>
+          <p:cNvPr id="3" name="Titel 17"/>
+          <p:cNvSpPr txBox="1">
+            <a:spLocks/>
+          </p:cNvSpPr>
+          <p:nvPr/>
+        </p:nvSpPr>
+        <p:spPr>
+          <a:xfrm>
+            <a:off x="425576" y="349921"/>
+            <a:ext cx="8100000" cy="540000"/>
+          </a:xfrm>
+          <a:prstGeom prst="rect">
+            <a:avLst/>
+          </a:prstGeom>
+        </p:spPr>
+        <p:txBody>
+          <a:bodyPr vert="horz" lIns="91440" tIns="45720" rIns="91440" bIns="45720" rtlCol="0" anchor="ctr">
+            <a:normAutofit fontScale="85000" lnSpcReduction="20000"/>
+          </a:bodyPr>
+          <a:lstStyle>
+            <a:lvl1pPr algn="l" defTabSz="914400" rtl="0" eaLnBrk="1" latinLnBrk="0" hangingPunct="1">
+              <a:lnSpc>
+                <a:spcPct val="90000"/>
+              </a:lnSpc>
+              <a:spcBef>
+                <a:spcPct val="0"/>
+              </a:spcBef>
+              <a:buNone/>
+              <a:defRPr sz="4400" kern="1200">
+                <a:solidFill>
+                  <a:schemeClr val="tx1"/>
+                </a:solidFill>
+                <a:latin typeface="+mj-lt"/>
+                <a:ea typeface="+mj-ea"/>
+                <a:cs typeface="+mj-cs"/>
+              </a:defRPr>
+            </a:lvl1pPr>
+          </a:lstStyle>
+          <a:p>
+            <a:r>
+              <a:rPr lang="de-CH" dirty="0" smtClean="0">
+                <a:solidFill>
+                  <a:srgbClr val="C00000"/>
+                </a:solidFill>
+              </a:rPr>
+              <a:t>Simple View </a:t>
+            </a:r>
+            <a:r>
+              <a:rPr lang="de-CH" dirty="0" err="1" smtClean="0">
+                <a:solidFill>
+                  <a:srgbClr val="C00000"/>
+                </a:solidFill>
+              </a:rPr>
+              <a:t>of</a:t>
+            </a:r>
+            <a:r>
+              <a:rPr lang="de-CH" dirty="0" smtClean="0">
+                <a:solidFill>
+                  <a:srgbClr val="C00000"/>
+                </a:solidFill>
+              </a:rPr>
+              <a:t> States </a:t>
+            </a:r>
+            <a:endParaRPr lang="de-CH" dirty="0">
+              <a:solidFill>
+                <a:srgbClr val="C00000"/>
+              </a:solidFill>
+            </a:endParaRPr>
           </a:p>
         </p:txBody>
       </p:sp>
     </p:spTree>
     <p:extLst>
       <p:ext uri="{BB962C8B-B14F-4D97-AF65-F5344CB8AC3E}">
-        <p14:creationId xmlns:p14="http://schemas.microsoft.com/office/powerpoint/2010/main" val="3705918349"/>
+        <p14:creationId xmlns:p14="http://schemas.microsoft.com/office/powerpoint/2010/main" val="3391054771"/>
+      </p:ext>
+    </p:extLst>
+  </p:cSld>
+  <p:clrMapOvr>
+    <a:masterClrMapping/>
+  </p:clrMapOvr>
+  <p:timing>
+    <p:tnLst>
+      <p:par>
+        <p:cTn id="1" dur="indefinite" restart="never" nodeType="tmRoot"/>
+      </p:par>
+    </p:tnLst>
+  </p:timing>
+</p:sld>
+</file>
+
+<file path=ppt/slides/slide5.xml><?xml version="1.0" encoding="utf-8"?>
+<p:sld xmlns:a="http://schemas.openxmlformats.org/drawingml/2006/main" xmlns:r="http://schemas.openxmlformats.org/officeDocument/2006/relationships" xmlns:p="http://schemas.openxmlformats.org/presentationml/2006/main">
+  <p:cSld>
+    <p:spTree>
+      <p:nvGrpSpPr>
+        <p:cNvPr id="1" name=""/>
+        <p:cNvGrpSpPr/>
+        <p:nvPr/>
+      </p:nvGrpSpPr>
+      <p:grpSpPr>
+        <a:xfrm>
+          <a:off x="0" y="0"/>
+          <a:ext cx="0" cy="0"/>
+          <a:chOff x="0" y="0"/>
+          <a:chExt cx="0" cy="0"/>
+        </a:xfrm>
+      </p:grpSpPr>
+      <p:pic>
+        <p:nvPicPr>
+          <p:cNvPr id="5" name="Grafik 4"/>
+          <p:cNvPicPr>
+            <a:picLocks noChangeAspect="1"/>
+          </p:cNvPicPr>
+          <p:nvPr/>
+        </p:nvPicPr>
+        <p:blipFill>
+          <a:blip r:embed="rId2">
+            <a:extLst>
+              <a:ext uri="{28A0092B-C50C-407E-A947-70E740481C1C}">
+                <a14:useLocalDpi xmlns:a14="http://schemas.microsoft.com/office/drawing/2010/main" val="0"/>
+              </a:ext>
+            </a:extLst>
+          </a:blip>
+          <a:stretch>
+            <a:fillRect/>
+          </a:stretch>
+        </p:blipFill>
+        <p:spPr>
+          <a:xfrm>
+            <a:off x="7657467" y="922079"/>
+            <a:ext cx="4534533" cy="4058216"/>
+          </a:xfrm>
+          <a:prstGeom prst="rect">
+            <a:avLst/>
+          </a:prstGeom>
+        </p:spPr>
+      </p:pic>
+      <p:pic>
+        <p:nvPicPr>
+          <p:cNvPr id="6" name="Grafik 5"/>
+          <p:cNvPicPr>
+            <a:picLocks noChangeAspect="1"/>
+          </p:cNvPicPr>
+          <p:nvPr/>
+        </p:nvPicPr>
+        <p:blipFill>
+          <a:blip r:embed="rId3">
+            <a:extLst>
+              <a:ext uri="{28A0092B-C50C-407E-A947-70E740481C1C}">
+                <a14:useLocalDpi xmlns:a14="http://schemas.microsoft.com/office/drawing/2010/main" val="0"/>
+              </a:ext>
+            </a:extLst>
+          </a:blip>
+          <a:stretch>
+            <a:fillRect/>
+          </a:stretch>
+        </p:blipFill>
+        <p:spPr>
+          <a:xfrm>
+            <a:off x="283817" y="1631060"/>
+            <a:ext cx="4420217" cy="3172268"/>
+          </a:xfrm>
+          <a:prstGeom prst="rect">
+            <a:avLst/>
+          </a:prstGeom>
+        </p:spPr>
+      </p:pic>
+      <p:pic>
+        <p:nvPicPr>
+          <p:cNvPr id="4" name="Inhaltsplatzhalter 3"/>
+          <p:cNvPicPr>
+            <a:picLocks noChangeAspect="1"/>
+          </p:cNvPicPr>
+          <p:nvPr/>
+        </p:nvPicPr>
+        <p:blipFill>
+          <a:blip r:embed="rId4">
+            <a:extLst>
+              <a:ext uri="{28A0092B-C50C-407E-A947-70E740481C1C}">
+                <a14:useLocalDpi xmlns:a14="http://schemas.microsoft.com/office/drawing/2010/main" val="0"/>
+              </a:ext>
+            </a:extLst>
+          </a:blip>
+          <a:stretch>
+            <a:fillRect/>
+          </a:stretch>
+        </p:blipFill>
+        <p:spPr>
+          <a:xfrm>
+            <a:off x="3492949" y="3043473"/>
+            <a:ext cx="4429743" cy="3238952"/>
+          </a:xfrm>
+          <a:prstGeom prst="rect">
+            <a:avLst/>
+          </a:prstGeom>
+        </p:spPr>
+      </p:pic>
+      <p:sp>
+        <p:nvSpPr>
+          <p:cNvPr id="7" name="Titel 17"/>
+          <p:cNvSpPr txBox="1">
+            <a:spLocks/>
+          </p:cNvSpPr>
+          <p:nvPr/>
+        </p:nvSpPr>
+        <p:spPr>
+          <a:xfrm>
+            <a:off x="425576" y="349921"/>
+            <a:ext cx="8100000" cy="540000"/>
+          </a:xfrm>
+          <a:prstGeom prst="rect">
+            <a:avLst/>
+          </a:prstGeom>
+        </p:spPr>
+        <p:txBody>
+          <a:bodyPr vert="horz" lIns="91440" tIns="45720" rIns="91440" bIns="45720" rtlCol="0" anchor="ctr">
+            <a:normAutofit fontScale="85000" lnSpcReduction="20000"/>
+          </a:bodyPr>
+          <a:lstStyle>
+            <a:lvl1pPr algn="l" defTabSz="914400" rtl="0" eaLnBrk="1" latinLnBrk="0" hangingPunct="1">
+              <a:lnSpc>
+                <a:spcPct val="90000"/>
+              </a:lnSpc>
+              <a:spcBef>
+                <a:spcPct val="0"/>
+              </a:spcBef>
+              <a:buNone/>
+              <a:defRPr sz="4400" kern="1200">
+                <a:solidFill>
+                  <a:schemeClr val="tx1"/>
+                </a:solidFill>
+                <a:latin typeface="+mj-lt"/>
+                <a:ea typeface="+mj-ea"/>
+                <a:cs typeface="+mj-cs"/>
+              </a:defRPr>
+            </a:lvl1pPr>
+          </a:lstStyle>
+          <a:p>
+            <a:r>
+              <a:rPr lang="de-CH" dirty="0" smtClean="0">
+                <a:solidFill>
+                  <a:srgbClr val="C00000"/>
+                </a:solidFill>
+              </a:rPr>
+              <a:t>Single States</a:t>
+            </a:r>
+            <a:endParaRPr lang="de-CH" dirty="0">
+              <a:solidFill>
+                <a:srgbClr val="C00000"/>
+              </a:solidFill>
+            </a:endParaRPr>
+          </a:p>
+        </p:txBody>
+      </p:sp>
+    </p:spTree>
+    <p:extLst>
+      <p:ext uri="{BB962C8B-B14F-4D97-AF65-F5344CB8AC3E}">
+        <p14:creationId xmlns:p14="http://schemas.microsoft.com/office/powerpoint/2010/main" val="4197970707"/>
+      </p:ext>
+    </p:extLst>
+  </p:cSld>
+  <p:clrMapOvr>
+    <a:masterClrMapping/>
+  </p:clrMapOvr>
+</p:sld>
+</file>
+
+<file path=ppt/slides/slide6.xml><?xml version="1.0" encoding="utf-8"?>
+<p:sld xmlns:a="http://schemas.openxmlformats.org/drawingml/2006/main" xmlns:r="http://schemas.openxmlformats.org/officeDocument/2006/relationships" xmlns:p="http://schemas.openxmlformats.org/presentationml/2006/main">
+  <p:cSld>
+    <p:spTree>
+      <p:nvGrpSpPr>
+        <p:cNvPr id="1" name=""/>
+        <p:cNvGrpSpPr/>
+        <p:nvPr/>
+      </p:nvGrpSpPr>
+      <p:grpSpPr>
+        <a:xfrm>
+          <a:off x="0" y="0"/>
+          <a:ext cx="0" cy="0"/>
+          <a:chOff x="0" y="0"/>
+          <a:chExt cx="0" cy="0"/>
+        </a:xfrm>
+      </p:grpSpPr>
+      <p:pic>
+        <p:nvPicPr>
+          <p:cNvPr id="4" name="Grafik 3"/>
+          <p:cNvPicPr>
+            <a:picLocks noChangeAspect="1"/>
+          </p:cNvPicPr>
+          <p:nvPr/>
+        </p:nvPicPr>
+        <p:blipFill>
+          <a:blip r:embed="rId2">
+            <a:extLst>
+              <a:ext uri="{28A0092B-C50C-407E-A947-70E740481C1C}">
+                <a14:useLocalDpi xmlns:a14="http://schemas.microsoft.com/office/drawing/2010/main" val="0"/>
+              </a:ext>
+            </a:extLst>
+          </a:blip>
+          <a:stretch>
+            <a:fillRect/>
+          </a:stretch>
+        </p:blipFill>
+        <p:spPr>
+          <a:xfrm>
+            <a:off x="3372984" y="1904883"/>
+            <a:ext cx="5191850" cy="3400900"/>
+          </a:xfrm>
+          <a:prstGeom prst="rect">
+            <a:avLst/>
+          </a:prstGeom>
+        </p:spPr>
+      </p:pic>
+      <p:sp>
+        <p:nvSpPr>
+          <p:cNvPr id="5" name="Titel 17"/>
+          <p:cNvSpPr txBox="1">
+            <a:spLocks/>
+          </p:cNvSpPr>
+          <p:nvPr/>
+        </p:nvSpPr>
+        <p:spPr>
+          <a:xfrm>
+            <a:off x="425576" y="349921"/>
+            <a:ext cx="8100000" cy="540000"/>
+          </a:xfrm>
+          <a:prstGeom prst="rect">
+            <a:avLst/>
+          </a:prstGeom>
+        </p:spPr>
+        <p:txBody>
+          <a:bodyPr vert="horz" lIns="91440" tIns="45720" rIns="91440" bIns="45720" rtlCol="0" anchor="ctr">
+            <a:normAutofit fontScale="85000" lnSpcReduction="20000"/>
+          </a:bodyPr>
+          <a:lstStyle>
+            <a:lvl1pPr algn="l" defTabSz="914400" rtl="0" eaLnBrk="1" latinLnBrk="0" hangingPunct="1">
+              <a:lnSpc>
+                <a:spcPct val="90000"/>
+              </a:lnSpc>
+              <a:spcBef>
+                <a:spcPct val="0"/>
+              </a:spcBef>
+              <a:buNone/>
+              <a:defRPr sz="4400" kern="1200">
+                <a:solidFill>
+                  <a:schemeClr val="tx1"/>
+                </a:solidFill>
+                <a:latin typeface="+mj-lt"/>
+                <a:ea typeface="+mj-ea"/>
+                <a:cs typeface="+mj-cs"/>
+              </a:defRPr>
+            </a:lvl1pPr>
+          </a:lstStyle>
+          <a:p>
+            <a:r>
+              <a:rPr lang="de-CH" dirty="0" err="1" smtClean="0">
+                <a:solidFill>
+                  <a:srgbClr val="C00000"/>
+                </a:solidFill>
+              </a:rPr>
+              <a:t>Medicament</a:t>
+            </a:r>
+            <a:endParaRPr lang="de-CH" dirty="0">
+              <a:solidFill>
+                <a:srgbClr val="C00000"/>
+              </a:solidFill>
+            </a:endParaRPr>
+          </a:p>
+        </p:txBody>
+      </p:sp>
+    </p:spTree>
+    <p:extLst>
+      <p:ext uri="{BB962C8B-B14F-4D97-AF65-F5344CB8AC3E}">
+        <p14:creationId xmlns:p14="http://schemas.microsoft.com/office/powerpoint/2010/main" val="4229206674"/>
+      </p:ext>
+    </p:extLst>
+  </p:cSld>
+  <p:clrMapOvr>
+    <a:masterClrMapping/>
+  </p:clrMapOvr>
+</p:sld>
+</file>
+
+<file path=ppt/slides/slide7.xml><?xml version="1.0" encoding="utf-8"?>
+<p:sld xmlns:a="http://schemas.openxmlformats.org/drawingml/2006/main" xmlns:r="http://schemas.openxmlformats.org/officeDocument/2006/relationships" xmlns:p="http://schemas.openxmlformats.org/presentationml/2006/main">
+  <p:cSld>
+    <p:spTree>
+      <p:nvGrpSpPr>
+        <p:cNvPr id="1" name=""/>
+        <p:cNvGrpSpPr/>
+        <p:nvPr/>
+      </p:nvGrpSpPr>
+      <p:grpSpPr>
+        <a:xfrm>
+          <a:off x="0" y="0"/>
+          <a:ext cx="0" cy="0"/>
+          <a:chOff x="0" y="0"/>
+          <a:chExt cx="0" cy="0"/>
+        </a:xfrm>
+      </p:grpSpPr>
+      <p:pic>
+        <p:nvPicPr>
+          <p:cNvPr id="4" name="Grafik 3"/>
+          <p:cNvPicPr>
+            <a:picLocks noChangeAspect="1"/>
+          </p:cNvPicPr>
+          <p:nvPr/>
+        </p:nvPicPr>
+        <p:blipFill>
+          <a:blip r:embed="rId2">
+            <a:extLst>
+              <a:ext uri="{28A0092B-C50C-407E-A947-70E740481C1C}">
+                <a14:useLocalDpi xmlns:a14="http://schemas.microsoft.com/office/drawing/2010/main" val="0"/>
+              </a:ext>
+            </a:extLst>
+          </a:blip>
+          <a:stretch>
+            <a:fillRect/>
+          </a:stretch>
+        </p:blipFill>
+        <p:spPr>
+          <a:xfrm>
+            <a:off x="3452772" y="1135290"/>
+            <a:ext cx="6782747" cy="4991797"/>
+          </a:xfrm>
+          <a:prstGeom prst="rect">
+            <a:avLst/>
+          </a:prstGeom>
+        </p:spPr>
+      </p:pic>
+      <p:sp>
+        <p:nvSpPr>
+          <p:cNvPr id="5" name="Titel 17"/>
+          <p:cNvSpPr txBox="1">
+            <a:spLocks/>
+          </p:cNvSpPr>
+          <p:nvPr/>
+        </p:nvSpPr>
+        <p:spPr>
+          <a:xfrm>
+            <a:off x="425576" y="349921"/>
+            <a:ext cx="8100000" cy="540000"/>
+          </a:xfrm>
+          <a:prstGeom prst="rect">
+            <a:avLst/>
+          </a:prstGeom>
+        </p:spPr>
+        <p:txBody>
+          <a:bodyPr vert="horz" lIns="91440" tIns="45720" rIns="91440" bIns="45720" rtlCol="0" anchor="ctr">
+            <a:normAutofit fontScale="85000" lnSpcReduction="20000"/>
+          </a:bodyPr>
+          <a:lstStyle>
+            <a:lvl1pPr algn="l" defTabSz="914400" rtl="0" eaLnBrk="1" latinLnBrk="0" hangingPunct="1">
+              <a:lnSpc>
+                <a:spcPct val="90000"/>
+              </a:lnSpc>
+              <a:spcBef>
+                <a:spcPct val="0"/>
+              </a:spcBef>
+              <a:buNone/>
+              <a:defRPr sz="4400" kern="1200">
+                <a:solidFill>
+                  <a:schemeClr val="tx1"/>
+                </a:solidFill>
+                <a:latin typeface="+mj-lt"/>
+                <a:ea typeface="+mj-ea"/>
+                <a:cs typeface="+mj-cs"/>
+              </a:defRPr>
+            </a:lvl1pPr>
+          </a:lstStyle>
+          <a:p>
+            <a:r>
+              <a:rPr lang="de-CH" dirty="0" smtClean="0">
+                <a:solidFill>
+                  <a:srgbClr val="C00000"/>
+                </a:solidFill>
+              </a:rPr>
+              <a:t>UI - View</a:t>
+            </a:r>
+            <a:endParaRPr lang="de-CH" dirty="0">
+              <a:solidFill>
+                <a:srgbClr val="C00000"/>
+              </a:solidFill>
+            </a:endParaRPr>
+          </a:p>
+        </p:txBody>
+      </p:sp>
+    </p:spTree>
+    <p:extLst>
+      <p:ext uri="{BB962C8B-B14F-4D97-AF65-F5344CB8AC3E}">
+        <p14:creationId xmlns:p14="http://schemas.microsoft.com/office/powerpoint/2010/main" val="3115383407"/>
+      </p:ext>
+    </p:extLst>
+  </p:cSld>
+  <p:clrMapOvr>
+    <a:masterClrMapping/>
+  </p:clrMapOvr>
+</p:sld>
+</file>
+
+<file path=ppt/slides/slide8.xml><?xml version="1.0" encoding="utf-8"?>
+<p:sld xmlns:a="http://schemas.openxmlformats.org/drawingml/2006/main" xmlns:r="http://schemas.openxmlformats.org/officeDocument/2006/relationships" xmlns:p="http://schemas.openxmlformats.org/presentationml/2006/main">
+  <p:cSld>
+    <p:spTree>
+      <p:nvGrpSpPr>
+        <p:cNvPr id="1" name=""/>
+        <p:cNvGrpSpPr/>
+        <p:nvPr/>
+      </p:nvGrpSpPr>
+      <p:grpSpPr>
+        <a:xfrm>
+          <a:off x="0" y="0"/>
+          <a:ext cx="0" cy="0"/>
+          <a:chOff x="0" y="0"/>
+          <a:chExt cx="0" cy="0"/>
+        </a:xfrm>
+      </p:grpSpPr>
+      <p:sp>
+        <p:nvSpPr>
+          <p:cNvPr id="3" name="Inhaltsplatzhalter 2"/>
+          <p:cNvSpPr>
+            <a:spLocks noGrp="1"/>
+          </p:cNvSpPr>
+          <p:nvPr>
+            <p:ph idx="1"/>
+          </p:nvPr>
+        </p:nvSpPr>
+        <p:spPr/>
+        <p:txBody>
+          <a:bodyPr numCol="2"/>
+          <a:lstStyle/>
+          <a:p>
+            <a:pPr marL="0" indent="0">
+              <a:buNone/>
+            </a:pPr>
+            <a:r>
+              <a:rPr lang="de-CH" sz="3000" dirty="0" smtClean="0"/>
+              <a:t>Pro</a:t>
+            </a:r>
+          </a:p>
+          <a:p>
+            <a:r>
+              <a:rPr lang="de-CH" dirty="0" smtClean="0"/>
+              <a:t>Einfach </a:t>
+            </a:r>
+            <a:r>
+              <a:rPr lang="de-CH" dirty="0" err="1" smtClean="0"/>
+              <a:t>erweiter</a:t>
+            </a:r>
+            <a:r>
+              <a:rPr lang="de-CH" dirty="0" smtClean="0"/>
+              <a:t>-/änderbar</a:t>
+            </a:r>
+          </a:p>
+          <a:p>
+            <a:r>
+              <a:rPr lang="de-CH" dirty="0" smtClean="0"/>
+              <a:t>Verhindern inkonsistenter zustände</a:t>
+            </a:r>
+          </a:p>
+          <a:p>
+            <a:r>
+              <a:rPr lang="de-CH" dirty="0" smtClean="0"/>
+              <a:t>Einfachere </a:t>
+            </a:r>
+            <a:r>
+              <a:rPr lang="de-CH" dirty="0"/>
+              <a:t>W</a:t>
+            </a:r>
+            <a:r>
+              <a:rPr lang="de-CH" dirty="0" smtClean="0"/>
+              <a:t>artbarkeit</a:t>
+            </a:r>
+            <a:endParaRPr lang="de-CH" dirty="0"/>
+          </a:p>
+          <a:p>
+            <a:r>
+              <a:rPr lang="de-CH" dirty="0" smtClean="0"/>
+              <a:t>Wiederverwendung von Zustandsobjekten</a:t>
+            </a:r>
+          </a:p>
+          <a:p>
+            <a:endParaRPr lang="de-CH" dirty="0"/>
+          </a:p>
+          <a:p>
+            <a:endParaRPr lang="de-CH" dirty="0" smtClean="0"/>
+          </a:p>
+          <a:p>
+            <a:pPr marL="0" indent="0">
+              <a:buNone/>
+            </a:pPr>
+            <a:r>
+              <a:rPr lang="de-CH" sz="3000" dirty="0" smtClean="0"/>
+              <a:t>Kontra</a:t>
+            </a:r>
+          </a:p>
+          <a:p>
+            <a:r>
+              <a:rPr lang="de-CH" dirty="0" smtClean="0"/>
+              <a:t>Erhöht die Klassenanzahl</a:t>
+            </a:r>
+          </a:p>
+          <a:p>
+            <a:r>
+              <a:rPr lang="de-CH" dirty="0" smtClean="0"/>
+              <a:t>Bei einfachen Projekten Implementierungsaufwand verhältnismässig hoch</a:t>
+            </a:r>
+          </a:p>
+          <a:p>
+            <a:endParaRPr lang="de-CH" dirty="0"/>
+          </a:p>
+        </p:txBody>
+      </p:sp>
+      <p:sp>
+        <p:nvSpPr>
+          <p:cNvPr id="4" name="Titel 17"/>
+          <p:cNvSpPr txBox="1">
+            <a:spLocks/>
+          </p:cNvSpPr>
+          <p:nvPr/>
+        </p:nvSpPr>
+        <p:spPr>
+          <a:xfrm>
+            <a:off x="425576" y="349921"/>
+            <a:ext cx="8100000" cy="540000"/>
+          </a:xfrm>
+          <a:prstGeom prst="rect">
+            <a:avLst/>
+          </a:prstGeom>
+        </p:spPr>
+        <p:txBody>
+          <a:bodyPr vert="horz" lIns="91440" tIns="45720" rIns="91440" bIns="45720" rtlCol="0" anchor="ctr">
+            <a:normAutofit fontScale="85000" lnSpcReduction="20000"/>
+          </a:bodyPr>
+          <a:lstStyle>
+            <a:lvl1pPr algn="l" defTabSz="914400" rtl="0" eaLnBrk="1" latinLnBrk="0" hangingPunct="1">
+              <a:lnSpc>
+                <a:spcPct val="90000"/>
+              </a:lnSpc>
+              <a:spcBef>
+                <a:spcPct val="0"/>
+              </a:spcBef>
+              <a:buNone/>
+              <a:defRPr sz="4400" kern="1200">
+                <a:solidFill>
+                  <a:schemeClr val="tx1"/>
+                </a:solidFill>
+                <a:latin typeface="+mj-lt"/>
+                <a:ea typeface="+mj-ea"/>
+                <a:cs typeface="+mj-cs"/>
+              </a:defRPr>
+            </a:lvl1pPr>
+          </a:lstStyle>
+          <a:p>
+            <a:r>
+              <a:rPr lang="de-CH" dirty="0" smtClean="0">
+                <a:solidFill>
+                  <a:srgbClr val="C00000"/>
+                </a:solidFill>
+              </a:rPr>
+              <a:t>Pro &amp; Contra</a:t>
+            </a:r>
+            <a:endParaRPr lang="de-CH" dirty="0">
+              <a:solidFill>
+                <a:srgbClr val="C00000"/>
+              </a:solidFill>
+            </a:endParaRPr>
+          </a:p>
+        </p:txBody>
+      </p:sp>
+    </p:spTree>
+    <p:extLst>
+      <p:ext uri="{BB962C8B-B14F-4D97-AF65-F5344CB8AC3E}">
+        <p14:creationId xmlns:p14="http://schemas.microsoft.com/office/powerpoint/2010/main" val="1725880582"/>
       </p:ext>
     </p:extLst>
   </p:cSld>

--- a/doc/Task12/Task 12.pptx
+++ b/doc/Task12/Task 12.pptx
@@ -1,9 +1,12 @@
 
 <file path=ppt/presentation.xml><?xml version="1.0" encoding="utf-8"?>
-<p:presentation xmlns:a="http://schemas.openxmlformats.org/drawingml/2006/main" xmlns:r="http://schemas.openxmlformats.org/officeDocument/2006/relationships" xmlns:p="http://schemas.openxmlformats.org/presentationml/2006/main" saveSubsetFonts="1">
+<p:presentation xmlns:a="http://schemas.openxmlformats.org/drawingml/2006/main" xmlns:r="http://schemas.openxmlformats.org/officeDocument/2006/relationships" xmlns:p="http://schemas.openxmlformats.org/presentationml/2006/main" serverZoom="50017" saveSubsetFonts="1">
   <p:sldMasterIdLst>
     <p:sldMasterId id="2147483648" r:id="rId1"/>
   </p:sldMasterIdLst>
+  <p:notesMasterIdLst>
+    <p:notesMasterId r:id="rId10"/>
+  </p:notesMasterIdLst>
   <p:sldIdLst>
     <p:sldId id="259" r:id="rId2"/>
     <p:sldId id="258" r:id="rId3"/>
@@ -117,6 +120,453 @@
     </p:ext>
   </p:extLst>
 </p:presentation>
+</file>
+
+<file path=ppt/notesMasters/notesMaster1.xml><?xml version="1.0" encoding="utf-8"?>
+<p:notesMaster xmlns:a="http://schemas.openxmlformats.org/drawingml/2006/main" xmlns:r="http://schemas.openxmlformats.org/officeDocument/2006/relationships" xmlns:p="http://schemas.openxmlformats.org/presentationml/2006/main">
+  <p:cSld>
+    <p:bg>
+      <p:bgRef idx="1001">
+        <a:schemeClr val="bg1"/>
+      </p:bgRef>
+    </p:bg>
+    <p:spTree>
+      <p:nvGrpSpPr>
+        <p:cNvPr id="1" name=""/>
+        <p:cNvGrpSpPr/>
+        <p:nvPr/>
+      </p:nvGrpSpPr>
+      <p:grpSpPr>
+        <a:xfrm>
+          <a:off x="0" y="0"/>
+          <a:ext cx="0" cy="0"/>
+          <a:chOff x="0" y="0"/>
+          <a:chExt cx="0" cy="0"/>
+        </a:xfrm>
+      </p:grpSpPr>
+      <p:sp>
+        <p:nvSpPr>
+          <p:cNvPr id="2" name="Kopfzeilenplatzhalter 1"/>
+          <p:cNvSpPr>
+            <a:spLocks noGrp="1"/>
+          </p:cNvSpPr>
+          <p:nvPr>
+            <p:ph type="hdr" sz="quarter"/>
+          </p:nvPr>
+        </p:nvSpPr>
+        <p:spPr>
+          <a:xfrm>
+            <a:off x="0" y="0"/>
+            <a:ext cx="2971800" cy="458788"/>
+          </a:xfrm>
+          <a:prstGeom prst="rect">
+            <a:avLst/>
+          </a:prstGeom>
+        </p:spPr>
+        <p:txBody>
+          <a:bodyPr vert="horz" lIns="91440" tIns="45720" rIns="91440" bIns="45720" rtlCol="0"/>
+          <a:lstStyle>
+            <a:lvl1pPr algn="l">
+              <a:defRPr sz="1200"/>
+            </a:lvl1pPr>
+          </a:lstStyle>
+          <a:p>
+            <a:endParaRPr lang="de-CH"/>
+          </a:p>
+        </p:txBody>
+      </p:sp>
+      <p:sp>
+        <p:nvSpPr>
+          <p:cNvPr id="3" name="Datumsplatzhalter 2"/>
+          <p:cNvSpPr>
+            <a:spLocks noGrp="1"/>
+          </p:cNvSpPr>
+          <p:nvPr>
+            <p:ph type="dt" idx="1"/>
+          </p:nvPr>
+        </p:nvSpPr>
+        <p:spPr>
+          <a:xfrm>
+            <a:off x="3884613" y="0"/>
+            <a:ext cx="2971800" cy="458788"/>
+          </a:xfrm>
+          <a:prstGeom prst="rect">
+            <a:avLst/>
+          </a:prstGeom>
+        </p:spPr>
+        <p:txBody>
+          <a:bodyPr vert="horz" lIns="91440" tIns="45720" rIns="91440" bIns="45720" rtlCol="0"/>
+          <a:lstStyle>
+            <a:lvl1pPr algn="r">
+              <a:defRPr sz="1200"/>
+            </a:lvl1pPr>
+          </a:lstStyle>
+          <a:p>
+            <a:fld id="{427AFF8F-35A2-44DF-BC44-D69B6967F642}" type="datetimeFigureOut">
+              <a:rPr lang="de-CH" smtClean="0"/>
+              <a:t>16.12.2015</a:t>
+            </a:fld>
+            <a:endParaRPr lang="de-CH"/>
+          </a:p>
+        </p:txBody>
+      </p:sp>
+      <p:sp>
+        <p:nvSpPr>
+          <p:cNvPr id="4" name="Folienbildplatzhalter 3"/>
+          <p:cNvSpPr>
+            <a:spLocks noGrp="1" noRot="1" noChangeAspect="1"/>
+          </p:cNvSpPr>
+          <p:nvPr>
+            <p:ph type="sldImg" idx="2"/>
+          </p:nvPr>
+        </p:nvSpPr>
+        <p:spPr>
+          <a:xfrm>
+            <a:off x="685800" y="1143000"/>
+            <a:ext cx="5486400" cy="3086100"/>
+          </a:xfrm>
+          <a:prstGeom prst="rect">
+            <a:avLst/>
+          </a:prstGeom>
+          <a:noFill/>
+          <a:ln w="12700">
+            <a:solidFill>
+              <a:prstClr val="black"/>
+            </a:solidFill>
+          </a:ln>
+        </p:spPr>
+        <p:txBody>
+          <a:bodyPr vert="horz" lIns="91440" tIns="45720" rIns="91440" bIns="45720" rtlCol="0" anchor="ctr"/>
+          <a:lstStyle/>
+          <a:p>
+            <a:endParaRPr lang="de-CH"/>
+          </a:p>
+        </p:txBody>
+      </p:sp>
+      <p:sp>
+        <p:nvSpPr>
+          <p:cNvPr id="5" name="Notizenplatzhalter 4"/>
+          <p:cNvSpPr>
+            <a:spLocks noGrp="1"/>
+          </p:cNvSpPr>
+          <p:nvPr>
+            <p:ph type="body" sz="quarter" idx="3"/>
+          </p:nvPr>
+        </p:nvSpPr>
+        <p:spPr>
+          <a:xfrm>
+            <a:off x="685800" y="4400550"/>
+            <a:ext cx="5486400" cy="3600450"/>
+          </a:xfrm>
+          <a:prstGeom prst="rect">
+            <a:avLst/>
+          </a:prstGeom>
+        </p:spPr>
+        <p:txBody>
+          <a:bodyPr vert="horz" lIns="91440" tIns="45720" rIns="91440" bIns="45720" rtlCol="0"/>
+          <a:lstStyle/>
+          <a:p>
+            <a:pPr lvl="0"/>
+            <a:r>
+              <a:rPr lang="de-DE" smtClean="0"/>
+              <a:t>Textmasterformat bearbeiten</a:t>
+            </a:r>
+          </a:p>
+          <a:p>
+            <a:pPr lvl="1"/>
+            <a:r>
+              <a:rPr lang="de-DE" smtClean="0"/>
+              <a:t>Zweite Ebene</a:t>
+            </a:r>
+          </a:p>
+          <a:p>
+            <a:pPr lvl="2"/>
+            <a:r>
+              <a:rPr lang="de-DE" smtClean="0"/>
+              <a:t>Dritte Ebene</a:t>
+            </a:r>
+          </a:p>
+          <a:p>
+            <a:pPr lvl="3"/>
+            <a:r>
+              <a:rPr lang="de-DE" smtClean="0"/>
+              <a:t>Vierte Ebene</a:t>
+            </a:r>
+          </a:p>
+          <a:p>
+            <a:pPr lvl="4"/>
+            <a:r>
+              <a:rPr lang="de-DE" smtClean="0"/>
+              <a:t>Fünfte Ebene</a:t>
+            </a:r>
+            <a:endParaRPr lang="de-CH"/>
+          </a:p>
+        </p:txBody>
+      </p:sp>
+      <p:sp>
+        <p:nvSpPr>
+          <p:cNvPr id="6" name="Fußzeilenplatzhalter 5"/>
+          <p:cNvSpPr>
+            <a:spLocks noGrp="1"/>
+          </p:cNvSpPr>
+          <p:nvPr>
+            <p:ph type="ftr" sz="quarter" idx="4"/>
+          </p:nvPr>
+        </p:nvSpPr>
+        <p:spPr>
+          <a:xfrm>
+            <a:off x="0" y="8685213"/>
+            <a:ext cx="2971800" cy="458787"/>
+          </a:xfrm>
+          <a:prstGeom prst="rect">
+            <a:avLst/>
+          </a:prstGeom>
+        </p:spPr>
+        <p:txBody>
+          <a:bodyPr vert="horz" lIns="91440" tIns="45720" rIns="91440" bIns="45720" rtlCol="0" anchor="b"/>
+          <a:lstStyle>
+            <a:lvl1pPr algn="l">
+              <a:defRPr sz="1200"/>
+            </a:lvl1pPr>
+          </a:lstStyle>
+          <a:p>
+            <a:endParaRPr lang="de-CH"/>
+          </a:p>
+        </p:txBody>
+      </p:sp>
+      <p:sp>
+        <p:nvSpPr>
+          <p:cNvPr id="7" name="Foliennummernplatzhalter 6"/>
+          <p:cNvSpPr>
+            <a:spLocks noGrp="1"/>
+          </p:cNvSpPr>
+          <p:nvPr>
+            <p:ph type="sldNum" sz="quarter" idx="5"/>
+          </p:nvPr>
+        </p:nvSpPr>
+        <p:spPr>
+          <a:xfrm>
+            <a:off x="3884613" y="8685213"/>
+            <a:ext cx="2971800" cy="458787"/>
+          </a:xfrm>
+          <a:prstGeom prst="rect">
+            <a:avLst/>
+          </a:prstGeom>
+        </p:spPr>
+        <p:txBody>
+          <a:bodyPr vert="horz" lIns="91440" tIns="45720" rIns="91440" bIns="45720" rtlCol="0" anchor="b"/>
+          <a:lstStyle>
+            <a:lvl1pPr algn="r">
+              <a:defRPr sz="1200"/>
+            </a:lvl1pPr>
+          </a:lstStyle>
+          <a:p>
+            <a:fld id="{12D7B976-146C-43E2-91E9-011FE3870A76}" type="slidenum">
+              <a:rPr lang="de-CH" smtClean="0"/>
+              <a:t>‹Nr.›</a:t>
+            </a:fld>
+            <a:endParaRPr lang="de-CH"/>
+          </a:p>
+        </p:txBody>
+      </p:sp>
+    </p:spTree>
+    <p:extLst>
+      <p:ext uri="{BB962C8B-B14F-4D97-AF65-F5344CB8AC3E}">
+        <p14:creationId xmlns:p14="http://schemas.microsoft.com/office/powerpoint/2010/main" val="2120332863"/>
+      </p:ext>
+    </p:extLst>
+  </p:cSld>
+  <p:clrMap bg1="lt1" tx1="dk1" bg2="lt2" tx2="dk2" accent1="accent1" accent2="accent2" accent3="accent3" accent4="accent4" accent5="accent5" accent6="accent6" hlink="hlink" folHlink="folHlink"/>
+  <p:notesStyle>
+    <a:lvl1pPr marL="0" algn="l" defTabSz="914400" rtl="0" eaLnBrk="1" latinLnBrk="0" hangingPunct="1">
+      <a:defRPr sz="1200" kern="1200">
+        <a:solidFill>
+          <a:schemeClr val="tx1"/>
+        </a:solidFill>
+        <a:latin typeface="+mn-lt"/>
+        <a:ea typeface="+mn-ea"/>
+        <a:cs typeface="+mn-cs"/>
+      </a:defRPr>
+    </a:lvl1pPr>
+    <a:lvl2pPr marL="457200" algn="l" defTabSz="914400" rtl="0" eaLnBrk="1" latinLnBrk="0" hangingPunct="1">
+      <a:defRPr sz="1200" kern="1200">
+        <a:solidFill>
+          <a:schemeClr val="tx1"/>
+        </a:solidFill>
+        <a:latin typeface="+mn-lt"/>
+        <a:ea typeface="+mn-ea"/>
+        <a:cs typeface="+mn-cs"/>
+      </a:defRPr>
+    </a:lvl2pPr>
+    <a:lvl3pPr marL="914400" algn="l" defTabSz="914400" rtl="0" eaLnBrk="1" latinLnBrk="0" hangingPunct="1">
+      <a:defRPr sz="1200" kern="1200">
+        <a:solidFill>
+          <a:schemeClr val="tx1"/>
+        </a:solidFill>
+        <a:latin typeface="+mn-lt"/>
+        <a:ea typeface="+mn-ea"/>
+        <a:cs typeface="+mn-cs"/>
+      </a:defRPr>
+    </a:lvl3pPr>
+    <a:lvl4pPr marL="1371600" algn="l" defTabSz="914400" rtl="0" eaLnBrk="1" latinLnBrk="0" hangingPunct="1">
+      <a:defRPr sz="1200" kern="1200">
+        <a:solidFill>
+          <a:schemeClr val="tx1"/>
+        </a:solidFill>
+        <a:latin typeface="+mn-lt"/>
+        <a:ea typeface="+mn-ea"/>
+        <a:cs typeface="+mn-cs"/>
+      </a:defRPr>
+    </a:lvl4pPr>
+    <a:lvl5pPr marL="1828800" algn="l" defTabSz="914400" rtl="0" eaLnBrk="1" latinLnBrk="0" hangingPunct="1">
+      <a:defRPr sz="1200" kern="1200">
+        <a:solidFill>
+          <a:schemeClr val="tx1"/>
+        </a:solidFill>
+        <a:latin typeface="+mn-lt"/>
+        <a:ea typeface="+mn-ea"/>
+        <a:cs typeface="+mn-cs"/>
+      </a:defRPr>
+    </a:lvl5pPr>
+    <a:lvl6pPr marL="2286000" algn="l" defTabSz="914400" rtl="0" eaLnBrk="1" latinLnBrk="0" hangingPunct="1">
+      <a:defRPr sz="1200" kern="1200">
+        <a:solidFill>
+          <a:schemeClr val="tx1"/>
+        </a:solidFill>
+        <a:latin typeface="+mn-lt"/>
+        <a:ea typeface="+mn-ea"/>
+        <a:cs typeface="+mn-cs"/>
+      </a:defRPr>
+    </a:lvl6pPr>
+    <a:lvl7pPr marL="2743200" algn="l" defTabSz="914400" rtl="0" eaLnBrk="1" latinLnBrk="0" hangingPunct="1">
+      <a:defRPr sz="1200" kern="1200">
+        <a:solidFill>
+          <a:schemeClr val="tx1"/>
+        </a:solidFill>
+        <a:latin typeface="+mn-lt"/>
+        <a:ea typeface="+mn-ea"/>
+        <a:cs typeface="+mn-cs"/>
+      </a:defRPr>
+    </a:lvl7pPr>
+    <a:lvl8pPr marL="3200400" algn="l" defTabSz="914400" rtl="0" eaLnBrk="1" latinLnBrk="0" hangingPunct="1">
+      <a:defRPr sz="1200" kern="1200">
+        <a:solidFill>
+          <a:schemeClr val="tx1"/>
+        </a:solidFill>
+        <a:latin typeface="+mn-lt"/>
+        <a:ea typeface="+mn-ea"/>
+        <a:cs typeface="+mn-cs"/>
+      </a:defRPr>
+    </a:lvl8pPr>
+    <a:lvl9pPr marL="3657600" algn="l" defTabSz="914400" rtl="0" eaLnBrk="1" latinLnBrk="0" hangingPunct="1">
+      <a:defRPr sz="1200" kern="1200">
+        <a:solidFill>
+          <a:schemeClr val="tx1"/>
+        </a:solidFill>
+        <a:latin typeface="+mn-lt"/>
+        <a:ea typeface="+mn-ea"/>
+        <a:cs typeface="+mn-cs"/>
+      </a:defRPr>
+    </a:lvl9pPr>
+  </p:notesStyle>
+</p:notesMaster>
+</file>
+
+<file path=ppt/notesSlides/notesSlide1.xml><?xml version="1.0" encoding="utf-8"?>
+<p:notes xmlns:a="http://schemas.openxmlformats.org/drawingml/2006/main" xmlns:r="http://schemas.openxmlformats.org/officeDocument/2006/relationships" xmlns:p="http://schemas.openxmlformats.org/presentationml/2006/main">
+  <p:cSld>
+    <p:spTree>
+      <p:nvGrpSpPr>
+        <p:cNvPr id="1" name=""/>
+        <p:cNvGrpSpPr/>
+        <p:nvPr/>
+      </p:nvGrpSpPr>
+      <p:grpSpPr>
+        <a:xfrm>
+          <a:off x="0" y="0"/>
+          <a:ext cx="0" cy="0"/>
+          <a:chOff x="0" y="0"/>
+          <a:chExt cx="0" cy="0"/>
+        </a:xfrm>
+      </p:grpSpPr>
+      <p:sp>
+        <p:nvSpPr>
+          <p:cNvPr id="2" name="Folienbildplatzhalter 1"/>
+          <p:cNvSpPr>
+            <a:spLocks noGrp="1" noRot="1" noChangeAspect="1"/>
+          </p:cNvSpPr>
+          <p:nvPr>
+            <p:ph type="sldImg"/>
+          </p:nvPr>
+        </p:nvSpPr>
+        <p:spPr/>
+      </p:sp>
+      <p:sp>
+        <p:nvSpPr>
+          <p:cNvPr id="3" name="Notizenplatzhalter 2"/>
+          <p:cNvSpPr>
+            <a:spLocks noGrp="1"/>
+          </p:cNvSpPr>
+          <p:nvPr>
+            <p:ph type="body" idx="1"/>
+          </p:nvPr>
+        </p:nvSpPr>
+        <p:spPr/>
+        <p:txBody>
+          <a:bodyPr/>
+          <a:lstStyle/>
+          <a:p>
+            <a:r>
+              <a:rPr lang="de-CH" dirty="0" smtClean="0"/>
+              <a:t>Jedes Objekt ist immer in einem State! Kann nicht</a:t>
+            </a:r>
+            <a:r>
+              <a:rPr lang="de-CH" baseline="0" dirty="0" smtClean="0"/>
+              <a:t> zwischen drin schweben….</a:t>
+            </a:r>
+          </a:p>
+          <a:p>
+            <a:endParaRPr lang="de-CH" baseline="0" dirty="0" smtClean="0"/>
+          </a:p>
+          <a:p>
+            <a:endParaRPr lang="de-CH" dirty="0"/>
+          </a:p>
+        </p:txBody>
+      </p:sp>
+      <p:sp>
+        <p:nvSpPr>
+          <p:cNvPr id="4" name="Foliennummernplatzhalter 3"/>
+          <p:cNvSpPr>
+            <a:spLocks noGrp="1"/>
+          </p:cNvSpPr>
+          <p:nvPr>
+            <p:ph type="sldNum" sz="quarter" idx="10"/>
+          </p:nvPr>
+        </p:nvSpPr>
+        <p:spPr/>
+        <p:txBody>
+          <a:bodyPr/>
+          <a:lstStyle/>
+          <a:p>
+            <a:fld id="{12D7B976-146C-43E2-91E9-011FE3870A76}" type="slidenum">
+              <a:rPr lang="de-CH" smtClean="0"/>
+              <a:t>8</a:t>
+            </a:fld>
+            <a:endParaRPr lang="de-CH"/>
+          </a:p>
+        </p:txBody>
+      </p:sp>
+    </p:spTree>
+    <p:extLst>
+      <p:ext uri="{BB962C8B-B14F-4D97-AF65-F5344CB8AC3E}">
+        <p14:creationId xmlns:p14="http://schemas.microsoft.com/office/powerpoint/2010/main" val="1279453347"/>
+      </p:ext>
+    </p:extLst>
+  </p:cSld>
+  <p:clrMapOvr>
+    <a:masterClrMapping/>
+  </p:clrMapOvr>
+</p:notes>
 </file>
 
 <file path=ppt/slideLayouts/slideLayout1.xml><?xml version="1.0" encoding="utf-8"?>
@@ -4531,87 +4981,115 @@
         </p:nvSpPr>
         <p:spPr/>
         <p:txBody>
-          <a:bodyPr numCol="2"/>
+          <a:bodyPr numCol="2">
+            <a:normAutofit/>
+          </a:bodyPr>
           <a:lstStyle/>
           <a:p>
             <a:pPr marL="0" indent="0">
               <a:buNone/>
             </a:pPr>
             <a:r>
-              <a:rPr lang="de-CH" sz="3000" dirty="0" smtClean="0"/>
+              <a:rPr lang="de-CH" dirty="0" smtClean="0">
+                <a:solidFill>
+                  <a:schemeClr val="accent6">
+                    <a:lumMod val="75000"/>
+                  </a:schemeClr>
+                </a:solidFill>
+              </a:rPr>
               <a:t>Pro</a:t>
             </a:r>
           </a:p>
           <a:p>
             <a:r>
-              <a:rPr lang="de-CH" dirty="0" smtClean="0"/>
+              <a:rPr lang="de-CH" sz="2400" dirty="0" smtClean="0"/>
               <a:t>Einfach </a:t>
             </a:r>
             <a:r>
-              <a:rPr lang="de-CH" dirty="0" err="1" smtClean="0"/>
+              <a:rPr lang="de-CH" sz="2400" dirty="0" err="1" smtClean="0"/>
               <a:t>erweiter</a:t>
             </a:r>
             <a:r>
-              <a:rPr lang="de-CH" dirty="0" smtClean="0"/>
+              <a:rPr lang="de-CH" sz="2400" dirty="0" smtClean="0"/>
               <a:t>-/änderbar</a:t>
             </a:r>
           </a:p>
           <a:p>
             <a:r>
-              <a:rPr lang="de-CH" dirty="0" smtClean="0"/>
-              <a:t>Verhindern inkonsistenter zustände</a:t>
-            </a:r>
-          </a:p>
-          <a:p>
-            <a:r>
-              <a:rPr lang="de-CH" dirty="0" smtClean="0"/>
+              <a:rPr lang="de-CH" sz="2400" dirty="0"/>
               <a:t>Einfachere </a:t>
             </a:r>
             <a:r>
-              <a:rPr lang="de-CH" dirty="0"/>
-              <a:t>W</a:t>
-            </a:r>
-            <a:r>
-              <a:rPr lang="de-CH" dirty="0" smtClean="0"/>
-              <a:t>artbarkeit</a:t>
-            </a:r>
-            <a:endParaRPr lang="de-CH" dirty="0"/>
-          </a:p>
-          <a:p>
-            <a:r>
-              <a:rPr lang="de-CH" dirty="0" smtClean="0"/>
-              <a:t>Wiederverwendung von Zustandsobjekten</a:t>
-            </a:r>
-          </a:p>
-          <a:p>
-            <a:endParaRPr lang="de-CH" dirty="0"/>
-          </a:p>
-          <a:p>
-            <a:endParaRPr lang="de-CH" dirty="0" smtClean="0"/>
+              <a:rPr lang="de-CH" sz="2400" dirty="0" smtClean="0"/>
+              <a:t>Wartbarkeit</a:t>
+            </a:r>
+            <a:endParaRPr lang="de-CH" sz="2400" dirty="0" smtClean="0"/>
+          </a:p>
+          <a:p>
+            <a:r>
+              <a:rPr lang="de-CH" sz="2400" dirty="0" smtClean="0"/>
+              <a:t>Verhindern </a:t>
+            </a:r>
+            <a:r>
+              <a:rPr lang="de-CH" sz="2400" dirty="0" smtClean="0"/>
+              <a:t>inkonsistente </a:t>
+            </a:r>
+            <a:r>
+              <a:rPr lang="de-CH" sz="2400" dirty="0"/>
+              <a:t>Z</a:t>
+            </a:r>
+            <a:r>
+              <a:rPr lang="de-CH" sz="2400" dirty="0" smtClean="0"/>
+              <a:t>ustände</a:t>
+            </a:r>
+            <a:endParaRPr lang="de-CH" sz="2400" dirty="0" smtClean="0"/>
+          </a:p>
+          <a:p>
+            <a:r>
+              <a:rPr lang="de-CH" sz="2400" dirty="0" smtClean="0"/>
+              <a:t>Wiederverwendung </a:t>
+            </a:r>
+            <a:r>
+              <a:rPr lang="de-CH" sz="2400" dirty="0" smtClean="0"/>
+              <a:t>von Zustandsobjekten</a:t>
+            </a:r>
+          </a:p>
+          <a:p>
+            <a:endParaRPr lang="de-CH" sz="2400" dirty="0"/>
+          </a:p>
+          <a:p>
+            <a:endParaRPr lang="de-CH" sz="2400" dirty="0" smtClean="0"/>
+          </a:p>
+          <a:p>
+            <a:endParaRPr lang="de-CH" sz="2400" dirty="0" smtClean="0"/>
           </a:p>
           <a:p>
             <a:pPr marL="0" indent="0">
               <a:buNone/>
             </a:pPr>
             <a:r>
-              <a:rPr lang="de-CH" sz="3000" dirty="0" smtClean="0"/>
+              <a:rPr lang="de-CH" dirty="0" smtClean="0">
+                <a:solidFill>
+                  <a:srgbClr val="C00000"/>
+                </a:solidFill>
+              </a:rPr>
               <a:t>Kontra</a:t>
             </a:r>
           </a:p>
           <a:p>
             <a:r>
-              <a:rPr lang="de-CH" dirty="0" smtClean="0"/>
+              <a:rPr lang="de-CH" sz="2400" dirty="0" smtClean="0"/>
               <a:t>Erhöht die Klassenanzahl</a:t>
             </a:r>
           </a:p>
           <a:p>
             <a:r>
-              <a:rPr lang="de-CH" dirty="0" smtClean="0"/>
+              <a:rPr lang="de-CH" sz="2400" dirty="0" smtClean="0"/>
               <a:t>Bei einfachen Projekten Implementierungsaufwand verhältnismässig hoch</a:t>
             </a:r>
           </a:p>
           <a:p>
-            <a:endParaRPr lang="de-CH" dirty="0"/>
+            <a:endParaRPr lang="de-CH" sz="2400" dirty="0"/>
           </a:p>
         </p:txBody>
       </p:sp>
@@ -4951,4 +5429,265 @@
     </a:ext>
   </a:extLst>
 </a:theme>
+</file>
+
+<file path=ppt/theme/theme2.xml><?xml version="1.0" encoding="utf-8"?>
+<a:theme xmlns:a="http://schemas.openxmlformats.org/drawingml/2006/main" name="Office Theme">
+  <a:themeElements>
+    <a:clrScheme name="Office">
+      <a:dk1>
+        <a:sysClr val="windowText" lastClr="000000"/>
+      </a:dk1>
+      <a:lt1>
+        <a:sysClr val="window" lastClr="FFFFFF"/>
+      </a:lt1>
+      <a:dk2>
+        <a:srgbClr val="44546A"/>
+      </a:dk2>
+      <a:lt2>
+        <a:srgbClr val="E7E6E6"/>
+      </a:lt2>
+      <a:accent1>
+        <a:srgbClr val="5B9BD5"/>
+      </a:accent1>
+      <a:accent2>
+        <a:srgbClr val="ED7D31"/>
+      </a:accent2>
+      <a:accent3>
+        <a:srgbClr val="A5A5A5"/>
+      </a:accent3>
+      <a:accent4>
+        <a:srgbClr val="FFC000"/>
+      </a:accent4>
+      <a:accent5>
+        <a:srgbClr val="4472C4"/>
+      </a:accent5>
+      <a:accent6>
+        <a:srgbClr val="70AD47"/>
+      </a:accent6>
+      <a:hlink>
+        <a:srgbClr val="0563C1"/>
+      </a:hlink>
+      <a:folHlink>
+        <a:srgbClr val="954F72"/>
+      </a:folHlink>
+    </a:clrScheme>
+    <a:fontScheme name="Office">
+      <a:majorFont>
+        <a:latin typeface="Calibri Light" panose="020F0302020204030204"/>
+        <a:ea typeface=""/>
+        <a:cs typeface=""/>
+        <a:font script="Jpan" typeface="ＭＳ Ｐゴシック"/>
+        <a:font script="Hang" typeface="맑은 고딕"/>
+        <a:font script="Hans" typeface="宋体"/>
+        <a:font script="Hant" typeface="新細明體"/>
+        <a:font script="Arab" typeface="Times New Roman"/>
+        <a:font script="Hebr" typeface="Times New Roman"/>
+        <a:font script="Thai" typeface="Angsana New"/>
+        <a:font script="Ethi" typeface="Nyala"/>
+        <a:font script="Beng" typeface="Vrinda"/>
+        <a:font script="Gujr" typeface="Shruti"/>
+        <a:font script="Khmr" typeface="MoolBoran"/>
+        <a:font script="Knda" typeface="Tunga"/>
+        <a:font script="Guru" typeface="Raavi"/>
+        <a:font script="Cans" typeface="Euphemia"/>
+        <a:font script="Cher" typeface="Plantagenet Cherokee"/>
+        <a:font script="Yiii" typeface="Microsoft Yi Baiti"/>
+        <a:font script="Tibt" typeface="Microsoft Himalaya"/>
+        <a:font script="Thaa" typeface="MV Boli"/>
+        <a:font script="Deva" typeface="Mangal"/>
+        <a:font script="Telu" typeface="Gautami"/>
+        <a:font script="Taml" typeface="Latha"/>
+        <a:font script="Syrc" typeface="Estrangelo Edessa"/>
+        <a:font script="Orya" typeface="Kalinga"/>
+        <a:font script="Mlym" typeface="Kartika"/>
+        <a:font script="Laoo" typeface="DokChampa"/>
+        <a:font script="Sinh" typeface="Iskoola Pota"/>
+        <a:font script="Mong" typeface="Mongolian Baiti"/>
+        <a:font script="Viet" typeface="Times New Roman"/>
+        <a:font script="Uigh" typeface="Microsoft Uighur"/>
+        <a:font script="Geor" typeface="Sylfaen"/>
+      </a:majorFont>
+      <a:minorFont>
+        <a:latin typeface="Calibri" panose="020F0502020204030204"/>
+        <a:ea typeface=""/>
+        <a:cs typeface=""/>
+        <a:font script="Jpan" typeface="ＭＳ Ｐゴシック"/>
+        <a:font script="Hang" typeface="맑은 고딕"/>
+        <a:font script="Hans" typeface="宋体"/>
+        <a:font script="Hant" typeface="新細明體"/>
+        <a:font script="Arab" typeface="Arial"/>
+        <a:font script="Hebr" typeface="Arial"/>
+        <a:font script="Thai" typeface="Cordia New"/>
+        <a:font script="Ethi" typeface="Nyala"/>
+        <a:font script="Beng" typeface="Vrinda"/>
+        <a:font script="Gujr" typeface="Shruti"/>
+        <a:font script="Khmr" typeface="DaunPenh"/>
+        <a:font script="Knda" typeface="Tunga"/>
+        <a:font script="Guru" typeface="Raavi"/>
+        <a:font script="Cans" typeface="Euphemia"/>
+        <a:font script="Cher" typeface="Plantagenet Cherokee"/>
+        <a:font script="Yiii" typeface="Microsoft Yi Baiti"/>
+        <a:font script="Tibt" typeface="Microsoft Himalaya"/>
+        <a:font script="Thaa" typeface="MV Boli"/>
+        <a:font script="Deva" typeface="Mangal"/>
+        <a:font script="Telu" typeface="Gautami"/>
+        <a:font script="Taml" typeface="Latha"/>
+        <a:font script="Syrc" typeface="Estrangelo Edessa"/>
+        <a:font script="Orya" typeface="Kalinga"/>
+        <a:font script="Mlym" typeface="Kartika"/>
+        <a:font script="Laoo" typeface="DokChampa"/>
+        <a:font script="Sinh" typeface="Iskoola Pota"/>
+        <a:font script="Mong" typeface="Mongolian Baiti"/>
+        <a:font script="Viet" typeface="Arial"/>
+        <a:font script="Uigh" typeface="Microsoft Uighur"/>
+        <a:font script="Geor" typeface="Sylfaen"/>
+      </a:minorFont>
+    </a:fontScheme>
+    <a:fmtScheme name="Office">
+      <a:fillStyleLst>
+        <a:solidFill>
+          <a:schemeClr val="phClr"/>
+        </a:solidFill>
+        <a:gradFill rotWithShape="1">
+          <a:gsLst>
+            <a:gs pos="0">
+              <a:schemeClr val="phClr">
+                <a:lumMod val="110000"/>
+                <a:satMod val="105000"/>
+                <a:tint val="67000"/>
+              </a:schemeClr>
+            </a:gs>
+            <a:gs pos="50000">
+              <a:schemeClr val="phClr">
+                <a:lumMod val="105000"/>
+                <a:satMod val="103000"/>
+                <a:tint val="73000"/>
+              </a:schemeClr>
+            </a:gs>
+            <a:gs pos="100000">
+              <a:schemeClr val="phClr">
+                <a:lumMod val="105000"/>
+                <a:satMod val="109000"/>
+                <a:tint val="81000"/>
+              </a:schemeClr>
+            </a:gs>
+          </a:gsLst>
+          <a:lin ang="5400000" scaled="0"/>
+        </a:gradFill>
+        <a:gradFill rotWithShape="1">
+          <a:gsLst>
+            <a:gs pos="0">
+              <a:schemeClr val="phClr">
+                <a:satMod val="103000"/>
+                <a:lumMod val="102000"/>
+                <a:tint val="94000"/>
+              </a:schemeClr>
+            </a:gs>
+            <a:gs pos="50000">
+              <a:schemeClr val="phClr">
+                <a:satMod val="110000"/>
+                <a:lumMod val="100000"/>
+                <a:shade val="100000"/>
+              </a:schemeClr>
+            </a:gs>
+            <a:gs pos="100000">
+              <a:schemeClr val="phClr">
+                <a:lumMod val="99000"/>
+                <a:satMod val="120000"/>
+                <a:shade val="78000"/>
+              </a:schemeClr>
+            </a:gs>
+          </a:gsLst>
+          <a:lin ang="5400000" scaled="0"/>
+        </a:gradFill>
+      </a:fillStyleLst>
+      <a:lnStyleLst>
+        <a:ln w="6350" cap="flat" cmpd="sng" algn="ctr">
+          <a:solidFill>
+            <a:schemeClr val="phClr"/>
+          </a:solidFill>
+          <a:prstDash val="solid"/>
+          <a:miter lim="800000"/>
+        </a:ln>
+        <a:ln w="12700" cap="flat" cmpd="sng" algn="ctr">
+          <a:solidFill>
+            <a:schemeClr val="phClr"/>
+          </a:solidFill>
+          <a:prstDash val="solid"/>
+          <a:miter lim="800000"/>
+        </a:ln>
+        <a:ln w="19050" cap="flat" cmpd="sng" algn="ctr">
+          <a:solidFill>
+            <a:schemeClr val="phClr"/>
+          </a:solidFill>
+          <a:prstDash val="solid"/>
+          <a:miter lim="800000"/>
+        </a:ln>
+      </a:lnStyleLst>
+      <a:effectStyleLst>
+        <a:effectStyle>
+          <a:effectLst/>
+        </a:effectStyle>
+        <a:effectStyle>
+          <a:effectLst/>
+        </a:effectStyle>
+        <a:effectStyle>
+          <a:effectLst>
+            <a:outerShdw blurRad="57150" dist="19050" dir="5400000" algn="ctr" rotWithShape="0">
+              <a:srgbClr val="000000">
+                <a:alpha val="63000"/>
+              </a:srgbClr>
+            </a:outerShdw>
+          </a:effectLst>
+        </a:effectStyle>
+      </a:effectStyleLst>
+      <a:bgFillStyleLst>
+        <a:solidFill>
+          <a:schemeClr val="phClr"/>
+        </a:solidFill>
+        <a:solidFill>
+          <a:schemeClr val="phClr">
+            <a:tint val="95000"/>
+            <a:satMod val="170000"/>
+          </a:schemeClr>
+        </a:solidFill>
+        <a:gradFill rotWithShape="1">
+          <a:gsLst>
+            <a:gs pos="0">
+              <a:schemeClr val="phClr">
+                <a:tint val="93000"/>
+                <a:satMod val="150000"/>
+                <a:shade val="98000"/>
+                <a:lumMod val="102000"/>
+              </a:schemeClr>
+            </a:gs>
+            <a:gs pos="50000">
+              <a:schemeClr val="phClr">
+                <a:tint val="98000"/>
+                <a:satMod val="130000"/>
+                <a:shade val="90000"/>
+                <a:lumMod val="103000"/>
+              </a:schemeClr>
+            </a:gs>
+            <a:gs pos="100000">
+              <a:schemeClr val="phClr">
+                <a:shade val="63000"/>
+                <a:satMod val="120000"/>
+              </a:schemeClr>
+            </a:gs>
+          </a:gsLst>
+          <a:lin ang="5400000" scaled="0"/>
+        </a:gradFill>
+      </a:bgFillStyleLst>
+    </a:fmtScheme>
+  </a:themeElements>
+  <a:objectDefaults/>
+  <a:extraClrSchemeLst/>
+  <a:extLst>
+    <a:ext uri="{05A4C25C-085E-4340-85A3-A5531E510DB2}">
+      <thm15:themeFamily xmlns:thm15="http://schemas.microsoft.com/office/thememl/2012/main" name="Office Theme" id="{62F939B6-93AF-4DB8-9C6B-D6C7DFDC589F}" vid="{4A3C46E8-61CC-4603-A589-7422A47A8E4A}"/>
+    </a:ext>
+  </a:extLst>
+</a:theme>
 </file>
--- a/doc/Task12/Task 12.pptx
+++ b/doc/Task12/Task 12.pptx
@@ -204,7 +204,7 @@
           <a:p>
             <a:fld id="{427AFF8F-35A2-44DF-BC44-D69B6967F642}" type="datetimeFigureOut">
               <a:rPr lang="de-CH" smtClean="0"/>
-              <a:t>16.12.2015</a:t>
+              <a:t>17.12.2015</a:t>
             </a:fld>
             <a:endParaRPr lang="de-CH"/>
           </a:p>
@@ -700,7 +700,7 @@
           <a:p>
             <a:fld id="{C85F1E99-8149-4A3D-BA9C-F6876D595306}" type="datetimeFigureOut">
               <a:rPr lang="de-CH" smtClean="0"/>
-              <a:t>16.12.2015</a:t>
+              <a:t>17.12.2015</a:t>
             </a:fld>
             <a:endParaRPr lang="de-CH"/>
           </a:p>
@@ -870,7 +870,7 @@
           <a:p>
             <a:fld id="{C85F1E99-8149-4A3D-BA9C-F6876D595306}" type="datetimeFigureOut">
               <a:rPr lang="de-CH" smtClean="0"/>
-              <a:t>16.12.2015</a:t>
+              <a:t>17.12.2015</a:t>
             </a:fld>
             <a:endParaRPr lang="de-CH"/>
           </a:p>
@@ -1050,7 +1050,7 @@
           <a:p>
             <a:fld id="{C85F1E99-8149-4A3D-BA9C-F6876D595306}" type="datetimeFigureOut">
               <a:rPr lang="de-CH" smtClean="0"/>
-              <a:t>16.12.2015</a:t>
+              <a:t>17.12.2015</a:t>
             </a:fld>
             <a:endParaRPr lang="de-CH"/>
           </a:p>
@@ -1862,7 +1862,7 @@
           <a:p>
             <a:fld id="{C85F1E99-8149-4A3D-BA9C-F6876D595306}" type="datetimeFigureOut">
               <a:rPr lang="de-CH" smtClean="0"/>
-              <a:t>16.12.2015</a:t>
+              <a:t>17.12.2015</a:t>
             </a:fld>
             <a:endParaRPr lang="de-CH"/>
           </a:p>
@@ -2108,7 +2108,7 @@
           <a:p>
             <a:fld id="{C85F1E99-8149-4A3D-BA9C-F6876D595306}" type="datetimeFigureOut">
               <a:rPr lang="de-CH" smtClean="0"/>
-              <a:t>16.12.2015</a:t>
+              <a:t>17.12.2015</a:t>
             </a:fld>
             <a:endParaRPr lang="de-CH"/>
           </a:p>
@@ -2340,7 +2340,7 @@
           <a:p>
             <a:fld id="{C85F1E99-8149-4A3D-BA9C-F6876D595306}" type="datetimeFigureOut">
               <a:rPr lang="de-CH" smtClean="0"/>
-              <a:t>16.12.2015</a:t>
+              <a:t>17.12.2015</a:t>
             </a:fld>
             <a:endParaRPr lang="de-CH"/>
           </a:p>
@@ -2707,7 +2707,7 @@
           <a:p>
             <a:fld id="{C85F1E99-8149-4A3D-BA9C-F6876D595306}" type="datetimeFigureOut">
               <a:rPr lang="de-CH" smtClean="0"/>
-              <a:t>16.12.2015</a:t>
+              <a:t>17.12.2015</a:t>
             </a:fld>
             <a:endParaRPr lang="de-CH"/>
           </a:p>
@@ -2825,7 +2825,7 @@
           <a:p>
             <a:fld id="{C85F1E99-8149-4A3D-BA9C-F6876D595306}" type="datetimeFigureOut">
               <a:rPr lang="de-CH" smtClean="0"/>
-              <a:t>16.12.2015</a:t>
+              <a:t>17.12.2015</a:t>
             </a:fld>
             <a:endParaRPr lang="de-CH"/>
           </a:p>
@@ -2920,7 +2920,7 @@
           <a:p>
             <a:fld id="{C85F1E99-8149-4A3D-BA9C-F6876D595306}" type="datetimeFigureOut">
               <a:rPr lang="de-CH" smtClean="0"/>
-              <a:t>16.12.2015</a:t>
+              <a:t>17.12.2015</a:t>
             </a:fld>
             <a:endParaRPr lang="de-CH"/>
           </a:p>
@@ -3197,7 +3197,7 @@
           <a:p>
             <a:fld id="{C85F1E99-8149-4A3D-BA9C-F6876D595306}" type="datetimeFigureOut">
               <a:rPr lang="de-CH" smtClean="0"/>
-              <a:t>16.12.2015</a:t>
+              <a:t>17.12.2015</a:t>
             </a:fld>
             <a:endParaRPr lang="de-CH"/>
           </a:p>
@@ -3450,7 +3450,7 @@
           <a:p>
             <a:fld id="{C85F1E99-8149-4A3D-BA9C-F6876D595306}" type="datetimeFigureOut">
               <a:rPr lang="de-CH" smtClean="0"/>
-              <a:t>16.12.2015</a:t>
+              <a:t>17.12.2015</a:t>
             </a:fld>
             <a:endParaRPr lang="de-CH"/>
           </a:p>
@@ -3663,7 +3663,7 @@
           <a:p>
             <a:fld id="{C85F1E99-8149-4A3D-BA9C-F6876D595306}" type="datetimeFigureOut">
               <a:rPr lang="de-CH" smtClean="0"/>
-              <a:t>16.12.2015</a:t>
+              <a:t>17.12.2015</a:t>
             </a:fld>
             <a:endParaRPr lang="de-CH"/>
           </a:p>
@@ -4178,9 +4178,66 @@
           <a:chExt cx="0" cy="0"/>
         </a:xfrm>
       </p:grpSpPr>
+      <p:sp>
+        <p:nvSpPr>
+          <p:cNvPr id="3" name="Titel 17"/>
+          <p:cNvSpPr txBox="1">
+            <a:spLocks/>
+          </p:cNvSpPr>
+          <p:nvPr/>
+        </p:nvSpPr>
+        <p:spPr>
+          <a:xfrm>
+            <a:off x="425576" y="349921"/>
+            <a:ext cx="8100000" cy="540000"/>
+          </a:xfrm>
+          <a:prstGeom prst="rect">
+            <a:avLst/>
+          </a:prstGeom>
+        </p:spPr>
+        <p:txBody>
+          <a:bodyPr vert="horz" lIns="91440" tIns="45720" rIns="91440" bIns="45720" rtlCol="0" anchor="ctr">
+            <a:normAutofit fontScale="85000" lnSpcReduction="20000"/>
+          </a:bodyPr>
+          <a:lstStyle>
+            <a:lvl1pPr algn="l" defTabSz="914400" rtl="0" eaLnBrk="1" latinLnBrk="0" hangingPunct="1">
+              <a:lnSpc>
+                <a:spcPct val="90000"/>
+              </a:lnSpc>
+              <a:spcBef>
+                <a:spcPct val="0"/>
+              </a:spcBef>
+              <a:buNone/>
+              <a:defRPr sz="4400" kern="1200">
+                <a:solidFill>
+                  <a:schemeClr val="tx1"/>
+                </a:solidFill>
+                <a:latin typeface="+mj-lt"/>
+                <a:ea typeface="+mj-ea"/>
+                <a:cs typeface="+mj-cs"/>
+              </a:defRPr>
+            </a:lvl1pPr>
+          </a:lstStyle>
+          <a:p>
+            <a:r>
+              <a:rPr lang="de-CH" dirty="0" smtClean="0">
+                <a:solidFill>
+                  <a:srgbClr val="C00000"/>
+                </a:solidFill>
+              </a:rPr>
+              <a:t>UML-State-Pattern</a:t>
+            </a:r>
+            <a:endParaRPr lang="de-CH" dirty="0">
+              <a:solidFill>
+                <a:srgbClr val="C00000"/>
+              </a:solidFill>
+            </a:endParaRPr>
+          </a:p>
+        </p:txBody>
+      </p:sp>
       <p:pic>
         <p:nvPicPr>
-          <p:cNvPr id="4" name="Inhaltsplatzhalter 3"/>
+          <p:cNvPr id="5" name="Inhaltsplatzhalter 4"/>
           <p:cNvPicPr>
             <a:picLocks noGrp="1" noChangeAspect="1"/>
           </p:cNvPicPr>
@@ -4202,68 +4259,11 @@
         </p:blipFill>
         <p:spPr>
           <a:xfrm>
-            <a:off x="594503" y="1149498"/>
-            <a:ext cx="10972060" cy="5459906"/>
+            <a:off x="204685" y="889921"/>
+            <a:ext cx="11644415" cy="6047808"/>
           </a:xfrm>
         </p:spPr>
       </p:pic>
-      <p:sp>
-        <p:nvSpPr>
-          <p:cNvPr id="3" name="Titel 17"/>
-          <p:cNvSpPr txBox="1">
-            <a:spLocks/>
-          </p:cNvSpPr>
-          <p:nvPr/>
-        </p:nvSpPr>
-        <p:spPr>
-          <a:xfrm>
-            <a:off x="425576" y="349921"/>
-            <a:ext cx="8100000" cy="540000"/>
-          </a:xfrm>
-          <a:prstGeom prst="rect">
-            <a:avLst/>
-          </a:prstGeom>
-        </p:spPr>
-        <p:txBody>
-          <a:bodyPr vert="horz" lIns="91440" tIns="45720" rIns="91440" bIns="45720" rtlCol="0" anchor="ctr">
-            <a:normAutofit fontScale="85000" lnSpcReduction="20000"/>
-          </a:bodyPr>
-          <a:lstStyle>
-            <a:lvl1pPr algn="l" defTabSz="914400" rtl="0" eaLnBrk="1" latinLnBrk="0" hangingPunct="1">
-              <a:lnSpc>
-                <a:spcPct val="90000"/>
-              </a:lnSpc>
-              <a:spcBef>
-                <a:spcPct val="0"/>
-              </a:spcBef>
-              <a:buNone/>
-              <a:defRPr sz="4400" kern="1200">
-                <a:solidFill>
-                  <a:schemeClr val="tx1"/>
-                </a:solidFill>
-                <a:latin typeface="+mj-lt"/>
-                <a:ea typeface="+mj-ea"/>
-                <a:cs typeface="+mj-cs"/>
-              </a:defRPr>
-            </a:lvl1pPr>
-          </a:lstStyle>
-          <a:p>
-            <a:r>
-              <a:rPr lang="de-CH" dirty="0" smtClean="0">
-                <a:solidFill>
-                  <a:srgbClr val="C00000"/>
-                </a:solidFill>
-              </a:rPr>
-              <a:t>UML-State-Pattern</a:t>
-            </a:r>
-            <a:endParaRPr lang="de-CH" dirty="0">
-              <a:solidFill>
-                <a:srgbClr val="C00000"/>
-              </a:solidFill>
-            </a:endParaRPr>
-          </a:p>
-        </p:txBody>
-      </p:sp>
     </p:spTree>
     <p:extLst>
       <p:ext uri="{BB962C8B-B14F-4D97-AF65-F5344CB8AC3E}">
@@ -4385,6 +4385,98 @@
                 <a:srgbClr val="C00000"/>
               </a:solidFill>
             </a:endParaRPr>
+          </a:p>
+        </p:txBody>
+      </p:sp>
+      <p:sp>
+        <p:nvSpPr>
+          <p:cNvPr id="2" name="Rechteck 1"/>
+          <p:cNvSpPr/>
+          <p:nvPr/>
+        </p:nvSpPr>
+        <p:spPr>
+          <a:xfrm>
+            <a:off x="3867150" y="3886200"/>
+            <a:ext cx="2771775" cy="171450"/>
+          </a:xfrm>
+          <a:prstGeom prst="rect">
+            <a:avLst/>
+          </a:prstGeom>
+          <a:solidFill>
+            <a:schemeClr val="bg1"/>
+          </a:solidFill>
+          <a:ln>
+            <a:noFill/>
+          </a:ln>
+        </p:spPr>
+        <p:style>
+          <a:lnRef idx="2">
+            <a:schemeClr val="accent1">
+              <a:shade val="50000"/>
+            </a:schemeClr>
+          </a:lnRef>
+          <a:fillRef idx="1">
+            <a:schemeClr val="accent1"/>
+          </a:fillRef>
+          <a:effectRef idx="0">
+            <a:schemeClr val="accent1"/>
+          </a:effectRef>
+          <a:fontRef idx="minor">
+            <a:schemeClr val="lt1"/>
+          </a:fontRef>
+        </p:style>
+        <p:txBody>
+          <a:bodyPr rtlCol="0" anchor="ctr"/>
+          <a:lstStyle/>
+          <a:p>
+            <a:pPr algn="ctr"/>
+            <a:endParaRPr lang="de-CH"/>
+          </a:p>
+        </p:txBody>
+      </p:sp>
+      <p:sp>
+        <p:nvSpPr>
+          <p:cNvPr id="5" name="Rechteck 4"/>
+          <p:cNvSpPr/>
+          <p:nvPr/>
+        </p:nvSpPr>
+        <p:spPr>
+          <a:xfrm>
+            <a:off x="3781425" y="4774179"/>
+            <a:ext cx="2771775" cy="283596"/>
+          </a:xfrm>
+          <a:prstGeom prst="rect">
+            <a:avLst/>
+          </a:prstGeom>
+          <a:solidFill>
+            <a:schemeClr val="bg1"/>
+          </a:solidFill>
+          <a:ln>
+            <a:noFill/>
+          </a:ln>
+        </p:spPr>
+        <p:style>
+          <a:lnRef idx="2">
+            <a:schemeClr val="accent1">
+              <a:shade val="50000"/>
+            </a:schemeClr>
+          </a:lnRef>
+          <a:fillRef idx="1">
+            <a:schemeClr val="accent1"/>
+          </a:fillRef>
+          <a:effectRef idx="0">
+            <a:schemeClr val="accent1"/>
+          </a:effectRef>
+          <a:fontRef idx="minor">
+            <a:schemeClr val="lt1"/>
+          </a:fontRef>
+        </p:style>
+        <p:txBody>
+          <a:bodyPr rtlCol="0" anchor="ctr"/>
+          <a:lstStyle/>
+          <a:p>
+            <a:pPr algn="ctr"/>
+            <a:endParaRPr lang="de-CH"/>
           </a:p>
         </p:txBody>
       </p:sp>
@@ -5023,16 +5115,11 @@
               <a:rPr lang="de-CH" sz="2400" dirty="0" smtClean="0"/>
               <a:t>Wartbarkeit</a:t>
             </a:r>
-            <a:endParaRPr lang="de-CH" sz="2400" dirty="0" smtClean="0"/>
           </a:p>
           <a:p>
             <a:r>
               <a:rPr lang="de-CH" sz="2400" dirty="0" smtClean="0"/>
-              <a:t>Verhindern </a:t>
-            </a:r>
-            <a:r>
-              <a:rPr lang="de-CH" sz="2400" dirty="0" smtClean="0"/>
-              <a:t>inkonsistente </a:t>
+              <a:t>Verhindern inkonsistente </a:t>
             </a:r>
             <a:r>
               <a:rPr lang="de-CH" sz="2400" dirty="0"/>
@@ -5042,16 +5129,11 @@
               <a:rPr lang="de-CH" sz="2400" dirty="0" smtClean="0"/>
               <a:t>ustände</a:t>
             </a:r>
-            <a:endParaRPr lang="de-CH" sz="2400" dirty="0" smtClean="0"/>
           </a:p>
           <a:p>
             <a:r>
               <a:rPr lang="de-CH" sz="2400" dirty="0" smtClean="0"/>
-              <a:t>Wiederverwendung </a:t>
-            </a:r>
-            <a:r>
-              <a:rPr lang="de-CH" sz="2400" dirty="0" smtClean="0"/>
-              <a:t>von Zustandsobjekten</a:t>
+              <a:t>Wiederverwendung von Zustandsobjekten</a:t>
             </a:r>
           </a:p>
           <a:p>
@@ -5085,7 +5167,23 @@
           <a:p>
             <a:r>
               <a:rPr lang="de-CH" sz="2400" dirty="0" smtClean="0"/>
-              <a:t>Bei einfachen Projekten Implementierungsaufwand verhältnismässig hoch</a:t>
+              <a:t>Bei </a:t>
+            </a:r>
+            <a:r>
+              <a:rPr lang="de-CH" sz="2400" dirty="0" smtClean="0"/>
+              <a:t>kleinen Projekten </a:t>
+            </a:r>
+            <a:r>
+              <a:rPr lang="de-CH" sz="2400" dirty="0" smtClean="0"/>
+              <a:t>Implementierungsaufwand </a:t>
+            </a:r>
+            <a:r>
+              <a:rPr lang="de-CH" sz="2400" dirty="0" smtClean="0"/>
+              <a:t>verhältnismässig </a:t>
+            </a:r>
+            <a:r>
+              <a:rPr lang="de-CH" sz="2400" dirty="0" smtClean="0"/>
+              <a:t>hoch</a:t>
             </a:r>
           </a:p>
           <a:p>
